--- a/midterm presentation/BWA project presentation.pptx
+++ b/midterm presentation/BWA project presentation.pptx
@@ -6,16 +6,16 @@
   </p:sldMasterIdLst>
   <p:sldIdLst>
     <p:sldId id="256" r:id="rId2"/>
-    <p:sldId id="279" r:id="rId3"/>
-    <p:sldId id="258" r:id="rId4"/>
-    <p:sldId id="259" r:id="rId5"/>
+    <p:sldId id="287" r:id="rId3"/>
+    <p:sldId id="288" r:id="rId4"/>
+    <p:sldId id="289" r:id="rId5"/>
     <p:sldId id="280" r:id="rId6"/>
     <p:sldId id="281" r:id="rId7"/>
     <p:sldId id="282" r:id="rId8"/>
     <p:sldId id="283" r:id="rId9"/>
     <p:sldId id="284" r:id="rId10"/>
-    <p:sldId id="265" r:id="rId11"/>
-    <p:sldId id="266" r:id="rId12"/>
+    <p:sldId id="285" r:id="rId11"/>
+    <p:sldId id="286" r:id="rId12"/>
     <p:sldId id="267" r:id="rId13"/>
     <p:sldId id="273" r:id="rId14"/>
     <p:sldId id="274" r:id="rId15"/>
@@ -121,6 +121,22 @@
       </a:defRPr>
     </a:lvl9pPr>
   </p:defaultTextStyle>
+  <p:extLst>
+    <p:ext uri="{EFAFB233-063F-42B5-8137-9DF3F51BA10A}">
+      <p15:sldGuideLst xmlns:p15="http://schemas.microsoft.com/office/powerpoint/2012/main">
+        <p15:guide id="1" orient="horz" pos="2160">
+          <p15:clr>
+            <a:srgbClr val="A4A3A4"/>
+          </p15:clr>
+        </p15:guide>
+        <p15:guide id="2" pos="2880">
+          <p15:clr>
+            <a:srgbClr val="A4A3A4"/>
+          </p15:clr>
+        </p15:guide>
+      </p15:sldGuideLst>
+    </p:ext>
+  </p:extLst>
 </p:presentation>
 </file>
 
@@ -306,7 +322,7 @@
             <a:fld id="{BCC84768-CB73-4874-847A-447DD6221BFD}" type="datetimeFigureOut">
               <a:rPr lang="he-IL" smtClean="0"/>
               <a:pPr/>
-              <a:t>י"א/שבט/תשע"ה</a:t>
+              <a:t>י"ג/שבט/תשע"ה</a:t>
             </a:fld>
             <a:endParaRPr lang="he-IL"/>
           </a:p>
@@ -473,7 +489,7 @@
             <a:fld id="{BCC84768-CB73-4874-847A-447DD6221BFD}" type="datetimeFigureOut">
               <a:rPr lang="he-IL" smtClean="0"/>
               <a:pPr/>
-              <a:t>י"א/שבט/תשע"ה</a:t>
+              <a:t>י"ג/שבט/תשע"ה</a:t>
             </a:fld>
             <a:endParaRPr lang="he-IL"/>
           </a:p>
@@ -650,7 +666,7 @@
             <a:fld id="{BCC84768-CB73-4874-847A-447DD6221BFD}" type="datetimeFigureOut">
               <a:rPr lang="he-IL" smtClean="0"/>
               <a:pPr/>
-              <a:t>י"א/שבט/תשע"ה</a:t>
+              <a:t>י"ג/שבט/תשע"ה</a:t>
             </a:fld>
             <a:endParaRPr lang="he-IL"/>
           </a:p>
@@ -817,7 +833,7 @@
             <a:fld id="{BCC84768-CB73-4874-847A-447DD6221BFD}" type="datetimeFigureOut">
               <a:rPr lang="he-IL" smtClean="0"/>
               <a:pPr/>
-              <a:t>י"א/שבט/תשע"ה</a:t>
+              <a:t>י"ג/שבט/תשע"ה</a:t>
             </a:fld>
             <a:endParaRPr lang="he-IL"/>
           </a:p>
@@ -1060,7 +1076,7 @@
             <a:fld id="{BCC84768-CB73-4874-847A-447DD6221BFD}" type="datetimeFigureOut">
               <a:rPr lang="he-IL" smtClean="0"/>
               <a:pPr/>
-              <a:t>י"א/שבט/תשע"ה</a:t>
+              <a:t>י"ג/שבט/תשע"ה</a:t>
             </a:fld>
             <a:endParaRPr lang="he-IL"/>
           </a:p>
@@ -1345,7 +1361,7 @@
             <a:fld id="{BCC84768-CB73-4874-847A-447DD6221BFD}" type="datetimeFigureOut">
               <a:rPr lang="he-IL" smtClean="0"/>
               <a:pPr/>
-              <a:t>י"א/שבט/תשע"ה</a:t>
+              <a:t>י"ג/שבט/תשע"ה</a:t>
             </a:fld>
             <a:endParaRPr lang="he-IL"/>
           </a:p>
@@ -1764,7 +1780,7 @@
             <a:fld id="{BCC84768-CB73-4874-847A-447DD6221BFD}" type="datetimeFigureOut">
               <a:rPr lang="he-IL" smtClean="0"/>
               <a:pPr/>
-              <a:t>י"א/שבט/תשע"ה</a:t>
+              <a:t>י"ג/שבט/תשע"ה</a:t>
             </a:fld>
             <a:endParaRPr lang="he-IL"/>
           </a:p>
@@ -1879,7 +1895,7 @@
             <a:fld id="{BCC84768-CB73-4874-847A-447DD6221BFD}" type="datetimeFigureOut">
               <a:rPr lang="he-IL" smtClean="0"/>
               <a:pPr/>
-              <a:t>י"א/שבט/תשע"ה</a:t>
+              <a:t>י"ג/שבט/תשע"ה</a:t>
             </a:fld>
             <a:endParaRPr lang="he-IL"/>
           </a:p>
@@ -1971,7 +1987,7 @@
             <a:fld id="{BCC84768-CB73-4874-847A-447DD6221BFD}" type="datetimeFigureOut">
               <a:rPr lang="he-IL" smtClean="0"/>
               <a:pPr/>
-              <a:t>י"א/שבט/תשע"ה</a:t>
+              <a:t>י"ג/שבט/תשע"ה</a:t>
             </a:fld>
             <a:endParaRPr lang="he-IL"/>
           </a:p>
@@ -2245,7 +2261,7 @@
             <a:fld id="{BCC84768-CB73-4874-847A-447DD6221BFD}" type="datetimeFigureOut">
               <a:rPr lang="he-IL" smtClean="0"/>
               <a:pPr/>
-              <a:t>י"א/שבט/תשע"ה</a:t>
+              <a:t>י"ג/שבט/תשע"ה</a:t>
             </a:fld>
             <a:endParaRPr lang="he-IL"/>
           </a:p>
@@ -2495,7 +2511,7 @@
             <a:fld id="{BCC84768-CB73-4874-847A-447DD6221BFD}" type="datetimeFigureOut">
               <a:rPr lang="he-IL" smtClean="0"/>
               <a:pPr/>
-              <a:t>י"א/שבט/תשע"ה</a:t>
+              <a:t>י"ג/שבט/תשע"ה</a:t>
             </a:fld>
             <a:endParaRPr lang="he-IL"/>
           </a:p>
@@ -2705,7 +2721,7 @@
             <a:fld id="{BCC84768-CB73-4874-847A-447DD6221BFD}" type="datetimeFigureOut">
               <a:rPr lang="he-IL" smtClean="0"/>
               <a:pPr/>
-              <a:t>י"א/שבט/תשע"ה</a:t>
+              <a:t>י"ג/שבט/תשע"ה</a:t>
             </a:fld>
             <a:endParaRPr lang="he-IL"/>
           </a:p>
@@ -3109,7 +3125,11 @@
             </a:r>
             <a:r>
               <a:rPr lang="he-IL" dirty="0" smtClean="0"/>
-              <a:t> עבור </a:t>
+              <a:t> </a:t>
+            </a:r>
+            <a:r>
+              <a:rPr lang="he-IL" dirty="0" smtClean="0"/>
+              <a:t>בעזרת </a:t>
             </a:r>
             <a:r>
               <a:rPr lang="en-US" dirty="0" smtClean="0"/>
@@ -3194,10 +3214,9 @@
           <a:lstStyle/>
           <a:p>
             <a:r>
-              <a:rPr lang="en-US" dirty="0" smtClean="0"/>
+              <a:rPr lang="en-US" dirty="0"/>
               <a:t>Pair end mapping (pairing)</a:t>
             </a:r>
-            <a:endParaRPr lang="he-IL" dirty="0"/>
           </a:p>
         </p:txBody>
       </p:sp>
@@ -3211,9 +3230,413 @@
             <p:ph idx="1"/>
           </p:nvPr>
         </p:nvSpPr>
-        <p:spPr/>
-        <p:txBody>
-          <a:bodyPr/>
+        <p:spPr>
+          <a:xfrm>
+            <a:off x="539552" y="1556792"/>
+            <a:ext cx="8229600" cy="5040560"/>
+          </a:xfrm>
+        </p:spPr>
+        <p:txBody>
+          <a:bodyPr>
+            <a:normAutofit fontScale="92500" lnSpcReduction="10000"/>
+          </a:bodyPr>
+          <a:lstStyle/>
+          <a:p>
+            <a:pPr>
+              <a:lnSpc>
+                <a:spcPct val="80000"/>
+              </a:lnSpc>
+              <a:buNone/>
+            </a:pPr>
+            <a:endParaRPr lang="he-IL" sz="2400" dirty="0" smtClean="0"/>
+          </a:p>
+          <a:p>
+            <a:pPr>
+              <a:lnSpc>
+                <a:spcPct val="80000"/>
+              </a:lnSpc>
+              <a:buNone/>
+            </a:pPr>
+            <a:r>
+              <a:rPr lang="he-IL" sz="2400" dirty="0" smtClean="0"/>
+              <a:t>בשלב </a:t>
+            </a:r>
+            <a:r>
+              <a:rPr lang="he-IL" sz="2400" dirty="0" smtClean="0"/>
+              <a:t>זה לוקחים את תוצאות שלב ה-</a:t>
+            </a:r>
+            <a:r>
+              <a:rPr lang="en-US" sz="2400" dirty="0" smtClean="0"/>
+              <a:t>alignment</a:t>
+            </a:r>
+            <a:r>
+              <a:rPr lang="he-IL" sz="2400" dirty="0" smtClean="0"/>
+              <a:t> ומעבדים </a:t>
+            </a:r>
+            <a:r>
+              <a:rPr lang="he-IL" sz="2400" dirty="0" smtClean="0"/>
+              <a:t>אותן. </a:t>
+            </a:r>
+          </a:p>
+          <a:p>
+            <a:pPr>
+              <a:lnSpc>
+                <a:spcPct val="80000"/>
+              </a:lnSpc>
+              <a:buNone/>
+            </a:pPr>
+            <a:endParaRPr lang="he-IL" sz="2400" dirty="0" smtClean="0"/>
+          </a:p>
+          <a:p>
+            <a:pPr>
+              <a:lnSpc>
+                <a:spcPct val="80000"/>
+              </a:lnSpc>
+              <a:buNone/>
+            </a:pPr>
+            <a:r>
+              <a:rPr lang="he-IL" sz="2400" dirty="0" smtClean="0"/>
+              <a:t>בשלב זה של האלגוריתם </a:t>
+            </a:r>
+            <a:r>
+              <a:rPr lang="he-IL" sz="2400" dirty="0" smtClean="0"/>
+              <a:t>יש </a:t>
+            </a:r>
+            <a:r>
+              <a:rPr lang="he-IL" sz="2400" dirty="0" smtClean="0"/>
+              <a:t>שני חלקים עיקריים</a:t>
+            </a:r>
+            <a:r>
+              <a:rPr lang="he-IL" sz="2400" dirty="0" smtClean="0"/>
+              <a:t>:</a:t>
+            </a:r>
+            <a:endParaRPr lang="he-IL" sz="2400" dirty="0" smtClean="0"/>
+          </a:p>
+          <a:p>
+            <a:pPr marL="457200" indent="-457200">
+              <a:lnSpc>
+                <a:spcPct val="80000"/>
+              </a:lnSpc>
+              <a:buFont typeface="+mj-lt"/>
+              <a:buAutoNum type="arabicPeriod"/>
+            </a:pPr>
+            <a:r>
+              <a:rPr lang="he-IL" sz="2400" dirty="0" smtClean="0"/>
+              <a:t>שחזור מיקומי הופעת מחרוזת הדגימה בתוך מחרוזת </a:t>
+            </a:r>
+            <a:r>
+              <a:rPr lang="he-IL" sz="2400" dirty="0" smtClean="0"/>
+              <a:t>ההתייחסות.</a:t>
+            </a:r>
+          </a:p>
+          <a:p>
+            <a:pPr marL="457200" indent="-457200">
+              <a:lnSpc>
+                <a:spcPct val="80000"/>
+              </a:lnSpc>
+              <a:buFont typeface="+mj-lt"/>
+              <a:buAutoNum type="arabicPeriod"/>
+            </a:pPr>
+            <a:r>
+              <a:rPr lang="he-IL" sz="2400" dirty="0" smtClean="0"/>
+              <a:t>בחירת המיקום הטוב ביותר מבין כלל המיקומים שנמצאו עבור מחרוזת הדגימה.</a:t>
+            </a:r>
+          </a:p>
+          <a:p>
+            <a:pPr marL="0" indent="0">
+              <a:lnSpc>
+                <a:spcPct val="80000"/>
+              </a:lnSpc>
+              <a:buNone/>
+            </a:pPr>
+            <a:endParaRPr lang="he-IL" sz="2400" dirty="0" smtClean="0"/>
+          </a:p>
+          <a:p>
+            <a:pPr marL="0" indent="0">
+              <a:lnSpc>
+                <a:spcPct val="80000"/>
+              </a:lnSpc>
+              <a:buNone/>
+            </a:pPr>
+            <a:r>
+              <a:rPr lang="he-IL" sz="2400" dirty="0" smtClean="0"/>
+              <a:t>כאשר נבחר את המיקום הטוב ביותר נשתמש בעובדה שדגימות ב-</a:t>
+            </a:r>
+            <a:r>
+              <a:rPr lang="en-US" sz="2400" dirty="0" smtClean="0"/>
+              <a:t>DNA</a:t>
+            </a:r>
+            <a:r>
+              <a:rPr lang="he-IL" sz="2400" dirty="0" smtClean="0"/>
+              <a:t> נעשו בזוגות עם קירוב למרווח קבוע </a:t>
+            </a:r>
+            <a:r>
+              <a:rPr lang="he-IL" sz="2400" dirty="0" err="1" smtClean="0"/>
+              <a:t>בינהן</a:t>
+            </a:r>
+            <a:r>
+              <a:rPr lang="he-IL" sz="2400" dirty="0" smtClean="0"/>
+              <a:t>, </a:t>
+            </a:r>
+            <a:endParaRPr lang="he-IL" sz="2400" dirty="0" smtClean="0"/>
+          </a:p>
+          <a:p>
+            <a:pPr>
+              <a:lnSpc>
+                <a:spcPct val="80000"/>
+              </a:lnSpc>
+              <a:buNone/>
+            </a:pPr>
+            <a:r>
+              <a:rPr lang="he-IL" sz="2400" dirty="0" smtClean="0"/>
+              <a:t>בשלב </a:t>
+            </a:r>
+            <a:r>
+              <a:rPr lang="he-IL" sz="2400" dirty="0" smtClean="0"/>
+              <a:t>זה יש בפעם הראשונה התייחסות לעובדה שהדגימות נעשו בזוגות ולא ביחידים, כלומר כאשר המכונה לקחה דגימות היא חתכה מקטעים מה-</a:t>
+            </a:r>
+            <a:r>
+              <a:rPr lang="en-US" sz="2400" dirty="0" smtClean="0"/>
+              <a:t>DNA</a:t>
+            </a:r>
+            <a:r>
+              <a:rPr lang="he-IL" sz="2400" dirty="0" smtClean="0"/>
+              <a:t>, כאשר המקטעים נחתכו התקבלו זוגות של מקטעים שהיו מחוברים (או קרובים יחסית). כשנבחר את המיקום הטוב ביותר עבור מחרוזת דגימה, נוכל להשתמש בעובדה שזוג הדגימות היו קרובות כדי לתת משקל רב יותר למיקומים בהן הן יצאו קרובות. מכאן בא השם </a:t>
+            </a:r>
+            <a:r>
+              <a:rPr lang="en-US" sz="2400" dirty="0" smtClean="0"/>
+              <a:t>pair end mapping</a:t>
+            </a:r>
+            <a:r>
+              <a:rPr lang="he-IL" sz="2400" dirty="0" smtClean="0"/>
+              <a:t>, מכיוון שמשתמשים בעובדה שחתכנו זוגות כדי למפות אותן למיקום הטוב ביותר. </a:t>
+            </a:r>
+            <a:endParaRPr lang="he-IL" sz="2400" dirty="0"/>
+          </a:p>
+        </p:txBody>
+      </p:sp>
+      <p:sp>
+        <p:nvSpPr>
+          <p:cNvPr id="5122" name="Rectangle 2"/>
+          <p:cNvSpPr>
+            <a:spLocks noChangeArrowheads="1"/>
+          </p:cNvSpPr>
+          <p:nvPr/>
+        </p:nvSpPr>
+        <p:spPr bwMode="auto">
+          <a:xfrm>
+            <a:off x="0" y="0"/>
+            <a:ext cx="9144000" cy="0"/>
+          </a:xfrm>
+          <a:prstGeom prst="rect">
+            <a:avLst/>
+          </a:prstGeom>
+          <a:noFill/>
+          <a:ln w="9525">
+            <a:noFill/>
+            <a:miter lim="800000"/>
+            <a:headEnd/>
+            <a:tailEnd/>
+          </a:ln>
+          <a:effectLst/>
+        </p:spPr>
+        <p:txBody>
+          <a:bodyPr vert="horz" wrap="none" lIns="91440" tIns="45720" rIns="91440" bIns="45720" numCol="1" anchor="ctr" anchorCtr="0" compatLnSpc="1">
+            <a:prstTxWarp prst="textNoShape">
+              <a:avLst/>
+            </a:prstTxWarp>
+            <a:spAutoFit/>
+          </a:bodyPr>
+          <a:lstStyle/>
+          <a:p>
+            <a:endParaRPr lang="he-IL"/>
+          </a:p>
+        </p:txBody>
+      </p:sp>
+      <p:sp>
+        <p:nvSpPr>
+          <p:cNvPr id="5124" name="Rectangle 4"/>
+          <p:cNvSpPr>
+            <a:spLocks noChangeArrowheads="1"/>
+          </p:cNvSpPr>
+          <p:nvPr/>
+        </p:nvSpPr>
+        <p:spPr bwMode="auto">
+          <a:xfrm>
+            <a:off x="0" y="0"/>
+            <a:ext cx="9144000" cy="0"/>
+          </a:xfrm>
+          <a:prstGeom prst="rect">
+            <a:avLst/>
+          </a:prstGeom>
+          <a:noFill/>
+          <a:ln w="9525">
+            <a:noFill/>
+            <a:miter lim="800000"/>
+            <a:headEnd/>
+            <a:tailEnd/>
+          </a:ln>
+          <a:effectLst/>
+        </p:spPr>
+        <p:txBody>
+          <a:bodyPr vert="horz" wrap="none" lIns="91440" tIns="45720" rIns="91440" bIns="45720" numCol="1" anchor="ctr" anchorCtr="0" compatLnSpc="1">
+            <a:prstTxWarp prst="textNoShape">
+              <a:avLst/>
+            </a:prstTxWarp>
+            <a:spAutoFit/>
+          </a:bodyPr>
+          <a:lstStyle/>
+          <a:p>
+            <a:endParaRPr lang="he-IL"/>
+          </a:p>
+        </p:txBody>
+      </p:sp>
+      <p:sp>
+        <p:nvSpPr>
+          <p:cNvPr id="5126" name="Rectangle 6"/>
+          <p:cNvSpPr>
+            <a:spLocks noChangeArrowheads="1"/>
+          </p:cNvSpPr>
+          <p:nvPr/>
+        </p:nvSpPr>
+        <p:spPr bwMode="auto">
+          <a:xfrm>
+            <a:off x="0" y="0"/>
+            <a:ext cx="9144000" cy="0"/>
+          </a:xfrm>
+          <a:prstGeom prst="rect">
+            <a:avLst/>
+          </a:prstGeom>
+          <a:noFill/>
+          <a:ln w="9525">
+            <a:noFill/>
+            <a:miter lim="800000"/>
+            <a:headEnd/>
+            <a:tailEnd/>
+          </a:ln>
+          <a:effectLst/>
+        </p:spPr>
+        <p:txBody>
+          <a:bodyPr vert="horz" wrap="none" lIns="91440" tIns="45720" rIns="91440" bIns="45720" numCol="1" anchor="ctr" anchorCtr="0" compatLnSpc="1">
+            <a:prstTxWarp prst="textNoShape">
+              <a:avLst/>
+            </a:prstTxWarp>
+            <a:spAutoFit/>
+          </a:bodyPr>
+          <a:lstStyle/>
+          <a:p>
+            <a:endParaRPr lang="he-IL"/>
+          </a:p>
+        </p:txBody>
+      </p:sp>
+      <p:sp>
+        <p:nvSpPr>
+          <p:cNvPr id="5128" name="Rectangle 8"/>
+          <p:cNvSpPr>
+            <a:spLocks noChangeArrowheads="1"/>
+          </p:cNvSpPr>
+          <p:nvPr/>
+        </p:nvSpPr>
+        <p:spPr bwMode="auto">
+          <a:xfrm>
+            <a:off x="0" y="0"/>
+            <a:ext cx="9144000" cy="0"/>
+          </a:xfrm>
+          <a:prstGeom prst="rect">
+            <a:avLst/>
+          </a:prstGeom>
+          <a:noFill/>
+          <a:ln w="9525">
+            <a:noFill/>
+            <a:miter lim="800000"/>
+            <a:headEnd/>
+            <a:tailEnd/>
+          </a:ln>
+          <a:effectLst/>
+        </p:spPr>
+        <p:txBody>
+          <a:bodyPr vert="horz" wrap="none" lIns="91440" tIns="45720" rIns="91440" bIns="45720" numCol="1" anchor="ctr" anchorCtr="0" compatLnSpc="1">
+            <a:prstTxWarp prst="textNoShape">
+              <a:avLst/>
+            </a:prstTxWarp>
+            <a:spAutoFit/>
+          </a:bodyPr>
+          <a:lstStyle/>
+          <a:p>
+            <a:endParaRPr lang="he-IL"/>
+          </a:p>
+        </p:txBody>
+      </p:sp>
+      <p:sp>
+        <p:nvSpPr>
+          <p:cNvPr id="5130" name="Rectangle 10"/>
+          <p:cNvSpPr>
+            <a:spLocks noChangeArrowheads="1"/>
+          </p:cNvSpPr>
+          <p:nvPr/>
+        </p:nvSpPr>
+        <p:spPr bwMode="auto">
+          <a:xfrm>
+            <a:off x="0" y="0"/>
+            <a:ext cx="9144000" cy="0"/>
+          </a:xfrm>
+          <a:prstGeom prst="rect">
+            <a:avLst/>
+          </a:prstGeom>
+          <a:noFill/>
+          <a:ln w="9525">
+            <a:noFill/>
+            <a:miter lim="800000"/>
+            <a:headEnd/>
+            <a:tailEnd/>
+          </a:ln>
+          <a:effectLst/>
+        </p:spPr>
+        <p:txBody>
+          <a:bodyPr vert="horz" wrap="none" lIns="91440" tIns="45720" rIns="91440" bIns="45720" numCol="1" anchor="ctr" anchorCtr="0" compatLnSpc="1">
+            <a:prstTxWarp prst="textNoShape">
+              <a:avLst/>
+            </a:prstTxWarp>
+            <a:spAutoFit/>
+          </a:bodyPr>
+          <a:lstStyle/>
+          <a:p>
+            <a:endParaRPr lang="he-IL"/>
+          </a:p>
+        </p:txBody>
+      </p:sp>
+      <p:sp>
+        <p:nvSpPr>
+          <p:cNvPr id="5132" name="Rectangle 12"/>
+          <p:cNvSpPr>
+            <a:spLocks noChangeArrowheads="1"/>
+          </p:cNvSpPr>
+          <p:nvPr/>
+        </p:nvSpPr>
+        <p:spPr bwMode="auto">
+          <a:xfrm>
+            <a:off x="0" y="0"/>
+            <a:ext cx="9144000" cy="0"/>
+          </a:xfrm>
+          <a:prstGeom prst="rect">
+            <a:avLst/>
+          </a:prstGeom>
+          <a:noFill/>
+          <a:ln w="9525">
+            <a:noFill/>
+            <a:miter lim="800000"/>
+            <a:headEnd/>
+            <a:tailEnd/>
+          </a:ln>
+          <a:effectLst/>
+        </p:spPr>
+        <p:txBody>
+          <a:bodyPr vert="horz" wrap="none" lIns="91440" tIns="45720" rIns="91440" bIns="45720" numCol="1" anchor="ctr" anchorCtr="0" compatLnSpc="1">
+            <a:prstTxWarp prst="textNoShape">
+              <a:avLst/>
+            </a:prstTxWarp>
+            <a:spAutoFit/>
+          </a:bodyPr>
           <a:lstStyle/>
           <a:p>
             <a:endParaRPr lang="he-IL"/>
@@ -3221,6 +3644,11 @@
         </p:txBody>
       </p:sp>
     </p:spTree>
+    <p:extLst>
+      <p:ext uri="{BB962C8B-B14F-4D97-AF65-F5344CB8AC3E}">
+        <p14:creationId xmlns:p14="http://schemas.microsoft.com/office/powerpoint/2010/main" val="1349074443"/>
+      </p:ext>
+    </p:extLst>
   </p:cSld>
   <p:clrMapOvr>
     <a:masterClrMapping/>
@@ -3261,10 +3689,9 @@
           <a:lstStyle/>
           <a:p>
             <a:r>
-              <a:rPr lang="en-US" dirty="0" smtClean="0"/>
+              <a:rPr lang="en-US" dirty="0"/>
               <a:t>Pair end mapping - extended</a:t>
             </a:r>
-            <a:endParaRPr lang="he-IL" dirty="0"/>
           </a:p>
         </p:txBody>
       </p:sp>
@@ -3278,9 +3705,359 @@
             <p:ph idx="1"/>
           </p:nvPr>
         </p:nvSpPr>
-        <p:spPr/>
-        <p:txBody>
-          <a:bodyPr/>
+        <p:spPr>
+          <a:xfrm>
+            <a:off x="539552" y="1340768"/>
+            <a:ext cx="8229600" cy="4925144"/>
+          </a:xfrm>
+        </p:spPr>
+        <p:txBody>
+          <a:bodyPr>
+            <a:normAutofit/>
+          </a:bodyPr>
+          <a:lstStyle/>
+          <a:p>
+            <a:pPr>
+              <a:lnSpc>
+                <a:spcPct val="80000"/>
+              </a:lnSpc>
+              <a:buNone/>
+            </a:pPr>
+            <a:endParaRPr lang="he-IL" sz="2400" dirty="0" smtClean="0"/>
+          </a:p>
+          <a:p>
+            <a:pPr>
+              <a:lnSpc>
+                <a:spcPct val="80000"/>
+              </a:lnSpc>
+              <a:buNone/>
+            </a:pPr>
+            <a:endParaRPr lang="he-IL" sz="2400" dirty="0" smtClean="0"/>
+          </a:p>
+          <a:p>
+            <a:pPr>
+              <a:lnSpc>
+                <a:spcPct val="80000"/>
+              </a:lnSpc>
+              <a:buNone/>
+            </a:pPr>
+            <a:r>
+              <a:rPr lang="he-IL" sz="2400" dirty="0" smtClean="0"/>
+              <a:t>שלב </a:t>
+            </a:r>
+            <a:r>
+              <a:rPr lang="he-IL" sz="2400" dirty="0" smtClean="0"/>
+              <a:t>זה של אלגוריתם </a:t>
+            </a:r>
+            <a:r>
+              <a:rPr lang="en-US" sz="2400" dirty="0" smtClean="0"/>
+              <a:t>BWA</a:t>
+            </a:r>
+            <a:r>
+              <a:rPr lang="he-IL" sz="2400" dirty="0" smtClean="0"/>
+              <a:t> לוקח פי 30 יותר זמן מאשר שלב ה-</a:t>
+            </a:r>
+            <a:r>
+              <a:rPr lang="en-US" sz="2400" dirty="0" smtClean="0"/>
+              <a:t>alignment</a:t>
+            </a:r>
+            <a:r>
+              <a:rPr lang="he-IL" sz="2400" dirty="0" smtClean="0"/>
+              <a:t>. </a:t>
+            </a:r>
+            <a:endParaRPr lang="he-IL" sz="2400" dirty="0" smtClean="0"/>
+          </a:p>
+          <a:p>
+            <a:pPr>
+              <a:lnSpc>
+                <a:spcPct val="80000"/>
+              </a:lnSpc>
+              <a:buNone/>
+            </a:pPr>
+            <a:endParaRPr lang="he-IL" sz="2400" dirty="0"/>
+          </a:p>
+          <a:p>
+            <a:pPr>
+              <a:lnSpc>
+                <a:spcPct val="80000"/>
+              </a:lnSpc>
+              <a:buNone/>
+            </a:pPr>
+            <a:r>
+              <a:rPr lang="he-IL" sz="2400" dirty="0" smtClean="0"/>
+              <a:t>מכיוון </a:t>
+            </a:r>
+            <a:r>
+              <a:rPr lang="he-IL" sz="2400" dirty="0" smtClean="0"/>
+              <a:t>שתהליך ה-</a:t>
+            </a:r>
+            <a:r>
+              <a:rPr lang="en-US" sz="2400" dirty="0" smtClean="0"/>
+              <a:t>pairing</a:t>
+            </a:r>
+            <a:r>
+              <a:rPr lang="he-IL" sz="2400" dirty="0" smtClean="0"/>
+              <a:t> נעשה עבור כל זוג דגימות ללא כל קשר לשאר הדגימות שנעשו נרצה לבצע את התהליך בצורה מקבילית עבור כל זוג של דגימות על מנת להאיץ את החישובים</a:t>
+            </a:r>
+            <a:r>
+              <a:rPr lang="he-IL" sz="2400" dirty="0" smtClean="0"/>
+              <a:t>.</a:t>
+            </a:r>
+          </a:p>
+          <a:p>
+            <a:pPr>
+              <a:lnSpc>
+                <a:spcPct val="80000"/>
+              </a:lnSpc>
+              <a:buNone/>
+            </a:pPr>
+            <a:endParaRPr lang="he-IL" sz="2400" dirty="0"/>
+          </a:p>
+          <a:p>
+            <a:pPr>
+              <a:lnSpc>
+                <a:spcPct val="80000"/>
+              </a:lnSpc>
+              <a:buNone/>
+            </a:pPr>
+            <a:r>
+              <a:rPr lang="he-IL" sz="2400" dirty="0" smtClean="0"/>
+              <a:t>בזמן העבודה נשים דגש ליעילות זמן הריצה וליעילות הזיכרון על מנת שנוכל לנצל את כוח החישוב של ה-</a:t>
+            </a:r>
+            <a:r>
+              <a:rPr lang="en-US" sz="2400" dirty="0" smtClean="0"/>
+              <a:t>GPU</a:t>
+            </a:r>
+            <a:r>
+              <a:rPr lang="he-IL" sz="2400" dirty="0" smtClean="0"/>
+              <a:t> בצורה מקסימלית.</a:t>
+            </a:r>
+            <a:endParaRPr lang="he-IL" sz="2400" dirty="0"/>
+          </a:p>
+        </p:txBody>
+      </p:sp>
+      <p:sp>
+        <p:nvSpPr>
+          <p:cNvPr id="5122" name="Rectangle 2"/>
+          <p:cNvSpPr>
+            <a:spLocks noChangeArrowheads="1"/>
+          </p:cNvSpPr>
+          <p:nvPr/>
+        </p:nvSpPr>
+        <p:spPr bwMode="auto">
+          <a:xfrm>
+            <a:off x="0" y="0"/>
+            <a:ext cx="9144000" cy="0"/>
+          </a:xfrm>
+          <a:prstGeom prst="rect">
+            <a:avLst/>
+          </a:prstGeom>
+          <a:noFill/>
+          <a:ln w="9525">
+            <a:noFill/>
+            <a:miter lim="800000"/>
+            <a:headEnd/>
+            <a:tailEnd/>
+          </a:ln>
+          <a:effectLst/>
+        </p:spPr>
+        <p:txBody>
+          <a:bodyPr vert="horz" wrap="none" lIns="91440" tIns="45720" rIns="91440" bIns="45720" numCol="1" anchor="ctr" anchorCtr="0" compatLnSpc="1">
+            <a:prstTxWarp prst="textNoShape">
+              <a:avLst/>
+            </a:prstTxWarp>
+            <a:spAutoFit/>
+          </a:bodyPr>
+          <a:lstStyle/>
+          <a:p>
+            <a:endParaRPr lang="he-IL"/>
+          </a:p>
+        </p:txBody>
+      </p:sp>
+      <p:sp>
+        <p:nvSpPr>
+          <p:cNvPr id="5124" name="Rectangle 4"/>
+          <p:cNvSpPr>
+            <a:spLocks noChangeArrowheads="1"/>
+          </p:cNvSpPr>
+          <p:nvPr/>
+        </p:nvSpPr>
+        <p:spPr bwMode="auto">
+          <a:xfrm>
+            <a:off x="0" y="0"/>
+            <a:ext cx="9144000" cy="0"/>
+          </a:xfrm>
+          <a:prstGeom prst="rect">
+            <a:avLst/>
+          </a:prstGeom>
+          <a:noFill/>
+          <a:ln w="9525">
+            <a:noFill/>
+            <a:miter lim="800000"/>
+            <a:headEnd/>
+            <a:tailEnd/>
+          </a:ln>
+          <a:effectLst/>
+        </p:spPr>
+        <p:txBody>
+          <a:bodyPr vert="horz" wrap="none" lIns="91440" tIns="45720" rIns="91440" bIns="45720" numCol="1" anchor="ctr" anchorCtr="0" compatLnSpc="1">
+            <a:prstTxWarp prst="textNoShape">
+              <a:avLst/>
+            </a:prstTxWarp>
+            <a:spAutoFit/>
+          </a:bodyPr>
+          <a:lstStyle/>
+          <a:p>
+            <a:endParaRPr lang="he-IL"/>
+          </a:p>
+        </p:txBody>
+      </p:sp>
+      <p:sp>
+        <p:nvSpPr>
+          <p:cNvPr id="5126" name="Rectangle 6"/>
+          <p:cNvSpPr>
+            <a:spLocks noChangeArrowheads="1"/>
+          </p:cNvSpPr>
+          <p:nvPr/>
+        </p:nvSpPr>
+        <p:spPr bwMode="auto">
+          <a:xfrm>
+            <a:off x="0" y="0"/>
+            <a:ext cx="9144000" cy="0"/>
+          </a:xfrm>
+          <a:prstGeom prst="rect">
+            <a:avLst/>
+          </a:prstGeom>
+          <a:noFill/>
+          <a:ln w="9525">
+            <a:noFill/>
+            <a:miter lim="800000"/>
+            <a:headEnd/>
+            <a:tailEnd/>
+          </a:ln>
+          <a:effectLst/>
+        </p:spPr>
+        <p:txBody>
+          <a:bodyPr vert="horz" wrap="none" lIns="91440" tIns="45720" rIns="91440" bIns="45720" numCol="1" anchor="ctr" anchorCtr="0" compatLnSpc="1">
+            <a:prstTxWarp prst="textNoShape">
+              <a:avLst/>
+            </a:prstTxWarp>
+            <a:spAutoFit/>
+          </a:bodyPr>
+          <a:lstStyle/>
+          <a:p>
+            <a:endParaRPr lang="he-IL"/>
+          </a:p>
+        </p:txBody>
+      </p:sp>
+      <p:sp>
+        <p:nvSpPr>
+          <p:cNvPr id="5128" name="Rectangle 8"/>
+          <p:cNvSpPr>
+            <a:spLocks noChangeArrowheads="1"/>
+          </p:cNvSpPr>
+          <p:nvPr/>
+        </p:nvSpPr>
+        <p:spPr bwMode="auto">
+          <a:xfrm>
+            <a:off x="0" y="0"/>
+            <a:ext cx="9144000" cy="0"/>
+          </a:xfrm>
+          <a:prstGeom prst="rect">
+            <a:avLst/>
+          </a:prstGeom>
+          <a:noFill/>
+          <a:ln w="9525">
+            <a:noFill/>
+            <a:miter lim="800000"/>
+            <a:headEnd/>
+            <a:tailEnd/>
+          </a:ln>
+          <a:effectLst/>
+        </p:spPr>
+        <p:txBody>
+          <a:bodyPr vert="horz" wrap="none" lIns="91440" tIns="45720" rIns="91440" bIns="45720" numCol="1" anchor="ctr" anchorCtr="0" compatLnSpc="1">
+            <a:prstTxWarp prst="textNoShape">
+              <a:avLst/>
+            </a:prstTxWarp>
+            <a:spAutoFit/>
+          </a:bodyPr>
+          <a:lstStyle/>
+          <a:p>
+            <a:endParaRPr lang="he-IL"/>
+          </a:p>
+        </p:txBody>
+      </p:sp>
+      <p:sp>
+        <p:nvSpPr>
+          <p:cNvPr id="5130" name="Rectangle 10"/>
+          <p:cNvSpPr>
+            <a:spLocks noChangeArrowheads="1"/>
+          </p:cNvSpPr>
+          <p:nvPr/>
+        </p:nvSpPr>
+        <p:spPr bwMode="auto">
+          <a:xfrm>
+            <a:off x="0" y="0"/>
+            <a:ext cx="9144000" cy="0"/>
+          </a:xfrm>
+          <a:prstGeom prst="rect">
+            <a:avLst/>
+          </a:prstGeom>
+          <a:noFill/>
+          <a:ln w="9525">
+            <a:noFill/>
+            <a:miter lim="800000"/>
+            <a:headEnd/>
+            <a:tailEnd/>
+          </a:ln>
+          <a:effectLst/>
+        </p:spPr>
+        <p:txBody>
+          <a:bodyPr vert="horz" wrap="none" lIns="91440" tIns="45720" rIns="91440" bIns="45720" numCol="1" anchor="ctr" anchorCtr="0" compatLnSpc="1">
+            <a:prstTxWarp prst="textNoShape">
+              <a:avLst/>
+            </a:prstTxWarp>
+            <a:spAutoFit/>
+          </a:bodyPr>
+          <a:lstStyle/>
+          <a:p>
+            <a:endParaRPr lang="he-IL"/>
+          </a:p>
+        </p:txBody>
+      </p:sp>
+      <p:sp>
+        <p:nvSpPr>
+          <p:cNvPr id="5132" name="Rectangle 12"/>
+          <p:cNvSpPr>
+            <a:spLocks noChangeArrowheads="1"/>
+          </p:cNvSpPr>
+          <p:nvPr/>
+        </p:nvSpPr>
+        <p:spPr bwMode="auto">
+          <a:xfrm>
+            <a:off x="0" y="0"/>
+            <a:ext cx="9144000" cy="0"/>
+          </a:xfrm>
+          <a:prstGeom prst="rect">
+            <a:avLst/>
+          </a:prstGeom>
+          <a:noFill/>
+          <a:ln w="9525">
+            <a:noFill/>
+            <a:miter lim="800000"/>
+            <a:headEnd/>
+            <a:tailEnd/>
+          </a:ln>
+          <a:effectLst/>
+        </p:spPr>
+        <p:txBody>
+          <a:bodyPr vert="horz" wrap="none" lIns="91440" tIns="45720" rIns="91440" bIns="45720" numCol="1" anchor="ctr" anchorCtr="0" compatLnSpc="1">
+            <a:prstTxWarp prst="textNoShape">
+              <a:avLst/>
+            </a:prstTxWarp>
+            <a:spAutoFit/>
+          </a:bodyPr>
           <a:lstStyle/>
           <a:p>
             <a:endParaRPr lang="he-IL"/>
@@ -3288,6 +4065,11 @@
         </p:txBody>
       </p:sp>
     </p:spTree>
+    <p:extLst>
+      <p:ext uri="{BB962C8B-B14F-4D97-AF65-F5344CB8AC3E}">
+        <p14:creationId xmlns:p14="http://schemas.microsoft.com/office/powerpoint/2010/main" val="1349074443"/>
+      </p:ext>
+    </p:extLst>
   </p:cSld>
   <p:clrMapOvr>
     <a:masterClrMapping/>
@@ -3380,9 +4162,12 @@
             </a:r>
             <a:r>
               <a:rPr lang="he-IL" sz="2400" dirty="0" smtClean="0"/>
-              <a:t> הוא אלגוריתם לקביעת זהות בין שתי מחרוזות. האלגוריתם משווה מקטעים בכל אורך אפשרי ומבצע אופטימיזציה על ההתאמה.</a:t>
-            </a:r>
-            <a:endParaRPr lang="he-IL" sz="2400" dirty="0" smtClean="0"/>
+              <a:t> הוא אלגוריתם לקביעת זהות בין שתי </a:t>
+            </a:r>
+            <a:r>
+              <a:rPr lang="he-IL" sz="2400" dirty="0" smtClean="0"/>
+              <a:t>מחרוזות ע"י השוואת כלל המקטעים האפשריים תוך אופטימיזציה של התוצאה.</a:t>
+            </a:r>
           </a:p>
           <a:p>
             <a:pPr>
@@ -3394,10 +4179,37 @@
               </a:spcBef>
               <a:buNone/>
             </a:pPr>
-            <a:r>
-              <a:rPr lang="he-IL" sz="2400" dirty="0" smtClean="0"/>
-              <a:t>האלגוריתם מתחשב באפשרות של התאמה/שונות בין תווים וכן באפשרות למחיקה/הוספה של תווים.</a:t>
-            </a:r>
+            <a:endParaRPr lang="he-IL" sz="2400" dirty="0" smtClean="0"/>
+          </a:p>
+          <a:p>
+            <a:pPr>
+              <a:lnSpc>
+                <a:spcPct val="90000"/>
+              </a:lnSpc>
+              <a:spcBef>
+                <a:spcPts val="1200"/>
+              </a:spcBef>
+              <a:buNone/>
+            </a:pPr>
+            <a:r>
+              <a:rPr lang="he-IL" sz="2400" dirty="0" smtClean="0"/>
+              <a:t>האלגוריתם מתחשב באפשרות של התאמה/שונות בין תווים וכן באפשרות למחיקה/הוספה של תווים</a:t>
+            </a:r>
+            <a:r>
+              <a:rPr lang="he-IL" sz="2400" dirty="0" smtClean="0"/>
+              <a:t>.</a:t>
+            </a:r>
+          </a:p>
+          <a:p>
+            <a:pPr>
+              <a:lnSpc>
+                <a:spcPct val="90000"/>
+              </a:lnSpc>
+              <a:spcBef>
+                <a:spcPts val="1200"/>
+              </a:spcBef>
+              <a:buNone/>
+            </a:pPr>
             <a:endParaRPr lang="he-IL" sz="2400" dirty="0" smtClean="0"/>
           </a:p>
           <a:p>
@@ -3470,29 +4282,6 @@
               <a:buNone/>
             </a:pPr>
             <a:endParaRPr lang="he-IL" sz="2400" dirty="0" smtClean="0"/>
-          </a:p>
-          <a:p>
-            <a:pPr algn="r">
-              <a:lnSpc>
-                <a:spcPct val="90000"/>
-              </a:lnSpc>
-              <a:spcBef>
-                <a:spcPts val="1200"/>
-              </a:spcBef>
-              <a:buNone/>
-            </a:pPr>
-            <a:r>
-              <a:rPr lang="he-IL" sz="2400" dirty="0" smtClean="0"/>
-              <a:t>בגרסתו הבסיסית ביותר האלגוריתם עובד בזמן ריצה </a:t>
-            </a:r>
-            <a:r>
-              <a:rPr lang="he-IL" sz="2400" dirty="0" err="1" smtClean="0"/>
-              <a:t>אקספוננציאלי</a:t>
-            </a:r>
-            <a:r>
-              <a:rPr lang="he-IL" sz="2400" dirty="0" smtClean="0"/>
-              <a:t> ולכן נרצה לייעל זמן ריצה זה. </a:t>
-            </a:r>
           </a:p>
           <a:p>
             <a:pPr>
@@ -3761,7 +4550,7 @@
         </p:blipFill>
         <p:spPr bwMode="auto">
           <a:xfrm>
-            <a:off x="1115616" y="4077072"/>
+            <a:off x="1115616" y="4941168"/>
             <a:ext cx="6408712" cy="1226668"/>
           </a:xfrm>
           <a:prstGeom prst="rect">
@@ -3885,7 +4674,6 @@
               <a:rPr lang="he-IL" sz="2400" dirty="0" smtClean="0"/>
               <a:t>"</a:t>
             </a:r>
-            <a:endParaRPr lang="he-IL" sz="2400" dirty="0" smtClean="0"/>
           </a:p>
           <a:p>
             <a:pPr>
@@ -4338,7 +5126,7 @@
         </p:spPr>
         <p:txBody>
           <a:bodyPr>
-            <a:normAutofit fontScale="92500"/>
+            <a:normAutofit fontScale="92500" lnSpcReduction="10000"/>
           </a:bodyPr>
           <a:lstStyle/>
           <a:p>
@@ -4353,7 +5141,11 @@
             </a:pPr>
             <a:r>
               <a:rPr lang="he-IL" sz="2400" dirty="0" smtClean="0"/>
-              <a:t>ייעול ראשוני יהיה למען הורדת זמן הריצה </a:t>
+              <a:t>ייעול ראשוני </a:t>
+            </a:r>
+            <a:r>
+              <a:rPr lang="he-IL" sz="2400" dirty="0" smtClean="0"/>
+              <a:t>יתרכז בזמן הריצה </a:t>
             </a:r>
             <a:r>
               <a:rPr lang="he-IL" sz="2400" dirty="0" err="1" smtClean="0"/>
@@ -4361,15 +5153,7 @@
             </a:r>
             <a:r>
               <a:rPr lang="he-IL" sz="2400" dirty="0" smtClean="0"/>
-              <a:t> שהאלגוריתם צורך. </a:t>
-            </a:r>
-            <a:r>
-              <a:rPr lang="he-IL" sz="2400" dirty="0" smtClean="0"/>
-              <a:t>הייעול יתבצע באמצעות שימוש בתכנון דינאמי, כלומר שמירת פתרון לבעיות קטנות בהן השתמשנו מספר רב של פעמים לפתירת בעיות גדולות יותר. הדבר יתבטא בכך ש</a:t>
-            </a:r>
-            <a:r>
-              <a:rPr lang="he-IL" sz="2400" dirty="0" smtClean="0"/>
-              <a:t>נשמור את תוצאות החישוב של נוסחת האלגוריתם במערך וכך נימנע מחישוב חוזר של אותם ערכים.</a:t>
+              <a:t>.</a:t>
             </a:r>
           </a:p>
           <a:p>
@@ -4384,8 +5168,25 @@
             </a:pPr>
             <a:r>
               <a:rPr lang="he-IL" sz="2400" dirty="0" smtClean="0"/>
-              <a:t> כעת החישוב ייעשה באמצעות </a:t>
-            </a:r>
+              <a:t>הייעול </a:t>
+            </a:r>
+            <a:r>
+              <a:rPr lang="he-IL" sz="2400" dirty="0" smtClean="0"/>
+              <a:t>יתבצע באמצעות שימוש בתכנון </a:t>
+            </a:r>
+            <a:r>
+              <a:rPr lang="he-IL" sz="2400" dirty="0" smtClean="0"/>
+              <a:t>דינאמי, כלומר שמירת תוצאות </a:t>
+            </a:r>
+            <a:r>
+              <a:rPr lang="he-IL" sz="2400" dirty="0" smtClean="0"/>
+              <a:t>החישוב של נוסחת האלגוריתם במערך </a:t>
+            </a:r>
+            <a:r>
+              <a:rPr lang="he-IL" sz="2400" dirty="0" smtClean="0"/>
+              <a:t>ושימוש שלהם במקום חישוב מחדש.</a:t>
+            </a:r>
+            <a:endParaRPr lang="he-IL" sz="2400" dirty="0" smtClean="0"/>
           </a:p>
           <a:p>
             <a:pPr>
@@ -4399,7 +5200,7 @@
             </a:pPr>
             <a:r>
               <a:rPr lang="he-IL" sz="2400" dirty="0" smtClean="0"/>
-              <a:t>	התאים הבאים:</a:t>
+              <a:t> כעת החישוב ייעשה באמצעות </a:t>
             </a:r>
           </a:p>
           <a:p>
@@ -4414,13 +5215,8 @@
             </a:pPr>
             <a:r>
               <a:rPr lang="he-IL" sz="2400" dirty="0" smtClean="0"/>
-              <a:t>	כחול – </a:t>
-            </a:r>
-            <a:r>
-              <a:rPr lang="en-US" sz="2400" dirty="0" smtClean="0"/>
-              <a:t>match/mismatch</a:t>
-            </a:r>
-            <a:endParaRPr lang="he-IL" sz="2400" dirty="0" smtClean="0"/>
+              <a:t>	התאים הבאים:</a:t>
+            </a:r>
           </a:p>
           <a:p>
             <a:pPr>
@@ -4434,11 +5230,11 @@
             </a:pPr>
             <a:r>
               <a:rPr lang="he-IL" sz="2400" dirty="0" smtClean="0"/>
-              <a:t>	אדום – </a:t>
+              <a:t>	כחול – </a:t>
             </a:r>
             <a:r>
               <a:rPr lang="en-US" sz="2400" dirty="0" smtClean="0"/>
-              <a:t>deletion</a:t>
+              <a:t>match/mismatch</a:t>
             </a:r>
             <a:endParaRPr lang="he-IL" sz="2400" dirty="0" smtClean="0"/>
           </a:p>
@@ -4454,11 +5250,11 @@
             </a:pPr>
             <a:r>
               <a:rPr lang="he-IL" sz="2400" dirty="0" smtClean="0"/>
-              <a:t>	ירוק – </a:t>
+              <a:t>	אדום – </a:t>
             </a:r>
             <a:r>
               <a:rPr lang="en-US" sz="2400" dirty="0" smtClean="0"/>
-              <a:t>insertion</a:t>
+              <a:t>deletion</a:t>
             </a:r>
             <a:endParaRPr lang="he-IL" sz="2400" dirty="0" smtClean="0"/>
           </a:p>
@@ -4472,6 +5268,14 @@
               </a:spcBef>
               <a:buNone/>
             </a:pPr>
+            <a:r>
+              <a:rPr lang="he-IL" sz="2400" dirty="0" smtClean="0"/>
+              <a:t>	ירוק – </a:t>
+            </a:r>
+            <a:r>
+              <a:rPr lang="en-US" sz="2400" dirty="0" smtClean="0"/>
+              <a:t>insertion</a:t>
+            </a:r>
             <a:endParaRPr lang="he-IL" sz="2400" dirty="0" smtClean="0"/>
           </a:p>
           <a:p>
@@ -4484,10 +5288,35 @@
               </a:spcBef>
               <a:buNone/>
             </a:pPr>
-            <a:r>
-              <a:rPr lang="he-IL" sz="2400" dirty="0" smtClean="0"/>
-              <a:t>נ</a:t>
-            </a:r>
+            <a:endParaRPr lang="he-IL" sz="2400" dirty="0" smtClean="0"/>
+          </a:p>
+          <a:p>
+            <a:pPr>
+              <a:lnSpc>
+                <a:spcPct val="90000"/>
+              </a:lnSpc>
+              <a:spcBef>
+                <a:spcPts val="1200"/>
+              </a:spcBef>
+              <a:buNone/>
+            </a:pPr>
+            <a:endParaRPr lang="he-IL" sz="2400" dirty="0"/>
+          </a:p>
+          <a:p>
+            <a:pPr>
+              <a:lnSpc>
+                <a:spcPct val="90000"/>
+              </a:lnSpc>
+              <a:spcBef>
+                <a:spcPts val="1200"/>
+              </a:spcBef>
+              <a:buNone/>
+            </a:pPr>
+            <a:r>
+              <a:rPr lang="he-IL" sz="2400" dirty="0" smtClean="0"/>
+              <a:t>           4  </a:t>
+            </a:r>
+            <a:endParaRPr lang="he-IL" sz="2400" dirty="0" smtClean="0"/>
           </a:p>
           <a:p>
             <a:pPr>
@@ -4769,7 +5598,7 @@
         </p:blipFill>
         <p:spPr>
           <a:xfrm>
-            <a:off x="1187624" y="2924944"/>
+            <a:off x="1187624" y="2545631"/>
             <a:ext cx="2952328" cy="2592288"/>
           </a:xfrm>
           <a:prstGeom prst="rect">
@@ -4821,10 +5650,16 @@
           <p:cNvGraphicFramePr>
             <a:graphicFrameLocks noGrp="1"/>
           </p:cNvGraphicFramePr>
-          <p:nvPr/>
+          <p:nvPr>
+            <p:extLst>
+              <p:ext uri="{D42A27DB-BD31-4B8C-83A1-F6EECF244321}">
+                <p14:modId xmlns:p14="http://schemas.microsoft.com/office/powerpoint/2010/main" val="4222743607"/>
+              </p:ext>
+            </p:extLst>
+          </p:nvPr>
         </p:nvGraphicFramePr>
         <p:xfrm>
-          <a:off x="2699792" y="5661248"/>
+          <a:off x="2051720" y="5373216"/>
           <a:ext cx="6096000" cy="741680"/>
         </p:xfrm>
         <a:graphic>
@@ -5002,20 +5837,17 @@
             </a:pPr>
             <a:r>
               <a:rPr lang="he-IL" sz="2400" dirty="0" smtClean="0"/>
-              <a:t>שיפור שני יהיה להוריד פעם נוספת את זמן הריצה של האלגוריתם. מכיוון שנעשה חישוב של מקסימום עבור כל הערכים שבשורה וכן עבור כל התאים שבעמודה פעם אחר פעם, ניתן לבחור את המקסימום מבין </a:t>
-            </a:r>
-            <a:r>
-              <a:rPr lang="he-IL" sz="2400" dirty="0" smtClean="0"/>
-              <a:t>כ</a:t>
-            </a:r>
-            <a:r>
-              <a:rPr lang="he-IL" sz="2400" dirty="0" smtClean="0"/>
-              <a:t>ל הערכים שחושבו עד כה ובכל פעם שנוסף ערך חדש להחליט על המקסימום בינו ובין המקסימום הישן שחושב. </a:t>
-            </a:r>
-            <a:r>
-              <a:rPr lang="he-IL" sz="2400" dirty="0" smtClean="0"/>
-              <a:t>את חישובי המקסימום של כל שורה ועמודה נשמור במערכים נוספים שיעלו את צריכת הזיכרון.</a:t>
-            </a:r>
+              <a:t>שיפור שני </a:t>
+            </a:r>
+            <a:r>
+              <a:rPr lang="he-IL" sz="2400" dirty="0" smtClean="0"/>
+              <a:t>ייעל </a:t>
+            </a:r>
+            <a:r>
+              <a:rPr lang="he-IL" sz="2400" dirty="0" smtClean="0"/>
+              <a:t>פעם נוספת את זמן הריצה של האלגוריתם. </a:t>
+            </a:r>
+            <a:endParaRPr lang="he-IL" sz="2400" dirty="0" smtClean="0"/>
           </a:p>
           <a:p>
             <a:pPr>
@@ -5027,7 +5859,10 @@
               </a:spcBef>
               <a:buNone/>
             </a:pPr>
-            <a:endParaRPr lang="he-IL" sz="2400" dirty="0"/>
+            <a:r>
+              <a:rPr lang="he-IL" sz="2400" dirty="0" smtClean="0"/>
+              <a:t>במקום לחשב מחדש מקסימום על עמודה/שורה בכל פעם שמחושב ערך חדש לעמודה/שורה נשמור את המקסימום הישן ונבצע מקסימום בינו ובין הערך החדש שחושב.</a:t>
+            </a:r>
           </a:p>
         </p:txBody>
       </p:sp>
@@ -5325,7 +6160,7 @@
         </p:blipFill>
         <p:spPr bwMode="auto">
           <a:xfrm>
-            <a:off x="4355976" y="4869160"/>
+            <a:off x="4283968" y="4365104"/>
             <a:ext cx="3672408" cy="693999"/>
           </a:xfrm>
           <a:prstGeom prst="rect">
@@ -5400,7 +6235,7 @@
         </p:blipFill>
         <p:spPr bwMode="auto">
           <a:xfrm>
-            <a:off x="755576" y="4869160"/>
+            <a:off x="740769" y="4365104"/>
             <a:ext cx="3240359" cy="612352"/>
           </a:xfrm>
           <a:prstGeom prst="rect">
@@ -5475,7 +6310,7 @@
         </p:blipFill>
         <p:spPr bwMode="auto">
           <a:xfrm>
-            <a:off x="611560" y="3645024"/>
+            <a:off x="683568" y="3014279"/>
             <a:ext cx="6144683" cy="1152128"/>
           </a:xfrm>
           <a:prstGeom prst="rect">
@@ -5554,10 +6389,16 @@
           <p:cNvGraphicFramePr>
             <a:graphicFrameLocks noGrp="1"/>
           </p:cNvGraphicFramePr>
-          <p:nvPr/>
+          <p:nvPr>
+            <p:extLst>
+              <p:ext uri="{D42A27DB-BD31-4B8C-83A1-F6EECF244321}">
+                <p14:modId xmlns:p14="http://schemas.microsoft.com/office/powerpoint/2010/main" val="2246596998"/>
+              </p:ext>
+            </p:extLst>
+          </p:nvPr>
         </p:nvGraphicFramePr>
         <p:xfrm>
-          <a:off x="2555776" y="5733256"/>
+          <a:off x="2195736" y="5392208"/>
           <a:ext cx="6096000" cy="741680"/>
         </p:xfrm>
         <a:graphic>
@@ -5732,7 +6573,15 @@
             </a:pPr>
             <a:r>
               <a:rPr lang="he-IL" sz="2400" dirty="0" smtClean="0"/>
-              <a:t>שיפור שלישי יהיה להוריד את צריכת הזיכרון </a:t>
+              <a:t>שיפור שלישי </a:t>
+            </a:r>
+            <a:r>
+              <a:rPr lang="he-IL" sz="2400" dirty="0" smtClean="0"/>
+              <a:t>ייעל את צריכת </a:t>
+            </a:r>
+            <a:r>
+              <a:rPr lang="he-IL" sz="2400" dirty="0" smtClean="0"/>
+              <a:t>הזיכרון </a:t>
             </a:r>
             <a:r>
               <a:rPr lang="he-IL" sz="2400" dirty="0" err="1" smtClean="0"/>
@@ -5740,7 +6589,36 @@
             </a:r>
             <a:r>
               <a:rPr lang="he-IL" sz="2400" dirty="0" smtClean="0"/>
-              <a:t> של האלגוריתם. מכיוון שלא חשובה לנו הדרך לפתרון ומכיוון שכל ערך חדש מחושב על ידי מספר מצומצם של ערכים שנשמרים בטווח של שתי שורות בשלושת המערכים (השורה הנוכחית שלו וכן השורה שמעליו), ניתן לשמור רק את שתי שורות בכל פעם ולבצע את החישובים הנדרשים במקום לשמור את כל הטבלה כולה.</a:t>
+              <a:t> של האלגוריתם</a:t>
+            </a:r>
+            <a:r>
+              <a:rPr lang="he-IL" sz="2400" dirty="0" smtClean="0"/>
+              <a:t>.</a:t>
+            </a:r>
+          </a:p>
+          <a:p>
+            <a:pPr>
+              <a:lnSpc>
+                <a:spcPct val="80000"/>
+              </a:lnSpc>
+              <a:buNone/>
+            </a:pPr>
+            <a:endParaRPr lang="he-IL" sz="2400" dirty="0"/>
+          </a:p>
+          <a:p>
+            <a:pPr>
+              <a:lnSpc>
+                <a:spcPct val="80000"/>
+              </a:lnSpc>
+              <a:buNone/>
+            </a:pPr>
+            <a:r>
+              <a:rPr lang="he-IL" sz="2400" dirty="0" smtClean="0"/>
+              <a:t>מכיוון </a:t>
+            </a:r>
+            <a:r>
+              <a:rPr lang="he-IL" sz="2400" dirty="0" smtClean="0"/>
+              <a:t>שהאלגוריתם רץ מספר רב של פעמים ומעניין אותנו רק הפתרון הטוב ביותר לא צריך לשמור את דרך הפתרון אלא רק את החישובים שנצטרך בהמשך (נמצאים בטווח של שורה אחת מעלה ושורה נוכחית).  </a:t>
             </a:r>
           </a:p>
           <a:p>
@@ -6009,10 +6887,16 @@
           <p:cNvGraphicFramePr>
             <a:graphicFrameLocks noGrp="1"/>
           </p:cNvGraphicFramePr>
-          <p:nvPr/>
+          <p:nvPr>
+            <p:extLst>
+              <p:ext uri="{D42A27DB-BD31-4B8C-83A1-F6EECF244321}">
+                <p14:modId xmlns:p14="http://schemas.microsoft.com/office/powerpoint/2010/main" val="3488789070"/>
+              </p:ext>
+            </p:extLst>
+          </p:nvPr>
         </p:nvGraphicFramePr>
         <p:xfrm>
-          <a:off x="2267744" y="4941168"/>
+          <a:off x="1475656" y="4941168"/>
           <a:ext cx="6096000" cy="741680"/>
         </p:xfrm>
         <a:graphic>
@@ -6187,31 +7071,15 @@
             </a:pPr>
             <a:r>
               <a:rPr lang="he-IL" sz="2400" dirty="0" smtClean="0"/>
-              <a:t>שיפור רביעי יתרכז גם הוא בייעול צריכת הזיכרון </a:t>
-            </a:r>
-            <a:r>
-              <a:rPr lang="he-IL" sz="2400" dirty="0" smtClean="0"/>
-              <a:t>של האלגוריתם. מכיוון </a:t>
-            </a:r>
-            <a:r>
-              <a:rPr lang="he-IL" sz="2400" dirty="0" smtClean="0"/>
-              <a:t>שכל </a:t>
-            </a:r>
-            <a:r>
-              <a:rPr lang="he-IL" sz="2400" dirty="0" smtClean="0"/>
-              <a:t>ערך חדש מחושב על ידי </a:t>
-            </a:r>
-            <a:r>
-              <a:rPr lang="he-IL" sz="2400" dirty="0" smtClean="0"/>
-              <a:t>מספר מצומצם של ערכים שהחסם שלהם הוא התא שמעליו, התא שמשמאלו והתא שבאלכסון שמאלי עליון ניתן לצמצם את הזיכרון ולשמור רק שורה אחת בכל פעם מכל טבלה וכן מספר מצומצם של משתני עזר שישמרו את ערכי התאים </a:t>
-            </a:r>
-            <a:r>
-              <a:rPr lang="he-IL" sz="2400" dirty="0" smtClean="0"/>
-              <a:t>ש</a:t>
-            </a:r>
-            <a:r>
-              <a:rPr lang="he-IL" sz="2400" dirty="0" smtClean="0"/>
-              <a:t>חושבו מחדש אך עדיין נצטרך אותם לשימוש עתידי.  </a:t>
+              <a:t>שיפור רביעי </a:t>
+            </a:r>
+            <a:r>
+              <a:rPr lang="he-IL" sz="2400" dirty="0" smtClean="0"/>
+              <a:t>ייעל גם הוא את צריכת </a:t>
+            </a:r>
+            <a:r>
+              <a:rPr lang="he-IL" sz="2400" dirty="0" smtClean="0"/>
+              <a:t>הזיכרון של האלגוריתם. </a:t>
             </a:r>
             <a:endParaRPr lang="he-IL" sz="2400" dirty="0" smtClean="0"/>
           </a:p>
@@ -6222,18 +7090,7 @@
               </a:lnSpc>
               <a:buNone/>
             </a:pPr>
-            <a:r>
-              <a:rPr lang="he-IL" sz="2400" dirty="0" smtClean="0"/>
-              <a:t>ננהל את הזיכרון בצורה קפדנית מכיוון </a:t>
-            </a:r>
-            <a:r>
-              <a:rPr lang="he-IL" sz="2400" dirty="0" err="1" smtClean="0"/>
-              <a:t>שסיבוכיות</a:t>
-            </a:r>
-            <a:r>
-              <a:rPr lang="he-IL" sz="2400" dirty="0" smtClean="0"/>
-              <a:t> הקוד בייעול זה עולה בצורה ניכרת וטעות בניהול הזיכרון תשנה את החישובים המתבצעים במהלך ריצת האלגוריתם.</a:t>
-            </a:r>
+            <a:endParaRPr lang="he-IL" sz="2400" dirty="0"/>
           </a:p>
           <a:p>
             <a:pPr>
@@ -6242,6 +7099,26 @@
               </a:lnSpc>
               <a:buNone/>
             </a:pPr>
+            <a:r>
+              <a:rPr lang="he-IL" sz="2400" dirty="0" smtClean="0"/>
+              <a:t>כל </a:t>
+            </a:r>
+            <a:r>
+              <a:rPr lang="he-IL" sz="2400" dirty="0" smtClean="0"/>
+              <a:t>ערך חדש מחושב על ידי מספר </a:t>
+            </a:r>
+            <a:r>
+              <a:rPr lang="he-IL" sz="2400" dirty="0" smtClean="0"/>
+              <a:t>מצומצם </a:t>
+            </a:r>
+            <a:r>
+              <a:rPr lang="he-IL" sz="2400" dirty="0" smtClean="0"/>
+              <a:t>של ערכים שהחסם שלהם הוא התא שמעליו, התא שמשמאלו והתא שבאלכסון שמאלי </a:t>
+            </a:r>
+            <a:r>
+              <a:rPr lang="he-IL" sz="2400" dirty="0" smtClean="0"/>
+              <a:t>עליון, נשתמש במשתני עזר כדי לשמור את הערכים האלו לפני החישוב החדש שמוחק את ערכם הישן וכך נוכל להשתמש בהם לשימוש עתידי.</a:t>
+            </a:r>
             <a:endParaRPr lang="he-IL" sz="2400" dirty="0" smtClean="0"/>
           </a:p>
         </p:txBody>
@@ -6480,10 +7357,16 @@
           <p:cNvGraphicFramePr>
             <a:graphicFrameLocks noGrp="1"/>
           </p:cNvGraphicFramePr>
-          <p:nvPr/>
+          <p:nvPr>
+            <p:extLst>
+              <p:ext uri="{D42A27DB-BD31-4B8C-83A1-F6EECF244321}">
+                <p14:modId xmlns:p14="http://schemas.microsoft.com/office/powerpoint/2010/main" val="3938041139"/>
+              </p:ext>
+            </p:extLst>
+          </p:nvPr>
         </p:nvGraphicFramePr>
         <p:xfrm>
-          <a:off x="2267744" y="4941168"/>
+          <a:off x="2267744" y="4365104"/>
           <a:ext cx="6096000" cy="741680"/>
         </p:xfrm>
         <a:graphic>
@@ -6663,7 +7546,52 @@
               <a:lnSpc>
                 <a:spcPct val="80000"/>
               </a:lnSpc>
-              <a:buNone/>
+            </a:pPr>
+            <a:endParaRPr lang="he-IL" sz="2400" dirty="0" smtClean="0"/>
+          </a:p>
+          <a:p>
+            <a:pPr>
+              <a:lnSpc>
+                <a:spcPct val="80000"/>
+              </a:lnSpc>
+            </a:pPr>
+            <a:r>
+              <a:rPr lang="he-IL" sz="2400" dirty="0" smtClean="0"/>
+              <a:t>בדיקות נכונות – לבדיקה של תקינות קוד וחישובים של ארבעת הגרסאות.</a:t>
+            </a:r>
+          </a:p>
+          <a:p>
+            <a:pPr>
+              <a:lnSpc>
+                <a:spcPct val="80000"/>
+              </a:lnSpc>
+            </a:pPr>
+            <a:endParaRPr lang="he-IL" sz="2400" dirty="0"/>
+          </a:p>
+          <a:p>
+            <a:pPr>
+              <a:lnSpc>
+                <a:spcPct val="80000"/>
+              </a:lnSpc>
+            </a:pPr>
+            <a:r>
+              <a:rPr lang="he-IL" sz="2400" dirty="0" smtClean="0"/>
+              <a:t>בדיקות זמני ריצה – לבדיקה שאכן </a:t>
+            </a:r>
+            <a:r>
+              <a:rPr lang="he-IL" sz="2400" dirty="0" err="1" smtClean="0"/>
+              <a:t>הייעולים</a:t>
+            </a:r>
+            <a:r>
+              <a:rPr lang="he-IL" sz="2400" dirty="0" smtClean="0"/>
+              <a:t> השונים שעשינו משפיעים על זמן הריצה ומקצרים אותו.</a:t>
+            </a:r>
+          </a:p>
+          <a:p>
+            <a:pPr>
+              <a:lnSpc>
+                <a:spcPct val="80000"/>
+              </a:lnSpc>
             </a:pPr>
             <a:endParaRPr lang="he-IL" sz="2400" dirty="0"/>
           </a:p>
@@ -6963,64 +7891,116 @@
         </p:spPr>
         <p:txBody>
           <a:bodyPr>
-            <a:normAutofit lnSpcReduction="10000"/>
+            <a:normAutofit/>
           </a:bodyPr>
           <a:lstStyle/>
           <a:p>
             <a:pPr>
+              <a:lnSpc>
+                <a:spcPct val="80000"/>
+              </a:lnSpc>
               <a:buNone/>
             </a:pPr>
-            <a:r>
-              <a:rPr lang="he-IL" sz="2400" dirty="0" smtClean="0"/>
-              <a:t>שרשרת ה-דנ"א </a:t>
-            </a:r>
-            <a:r>
-              <a:rPr lang="he-IL" sz="2400" dirty="0" smtClean="0"/>
-              <a:t>היא מולקולת ענק של חומצות גרעין המורכבת ממספר רב </a:t>
-            </a:r>
-            <a:r>
-              <a:rPr lang="he-IL" sz="2400" dirty="0" smtClean="0"/>
-              <a:t>של </a:t>
+            <a:endParaRPr lang="he-IL" sz="2400" dirty="0" smtClean="0"/>
+          </a:p>
+          <a:p>
+            <a:pPr>
+              <a:lnSpc>
+                <a:spcPct val="80000"/>
+              </a:lnSpc>
+              <a:buNone/>
+            </a:pPr>
+            <a:r>
+              <a:rPr lang="he-IL" sz="2400" dirty="0" smtClean="0"/>
+              <a:t>שרשרת </a:t>
+            </a:r>
+            <a:r>
+              <a:rPr lang="he-IL" sz="2400" dirty="0" smtClean="0"/>
+              <a:t>ה-</a:t>
+            </a:r>
+            <a:r>
+              <a:rPr lang="en-US" sz="2400" dirty="0" smtClean="0"/>
+              <a:t>DNA</a:t>
+            </a:r>
+            <a:r>
+              <a:rPr lang="he-IL" sz="2400" dirty="0" smtClean="0"/>
+              <a:t> היא מולקולת ענק </a:t>
+            </a:r>
+            <a:r>
+              <a:rPr lang="he-IL" sz="2400" dirty="0" smtClean="0"/>
+              <a:t>המורכבות </a:t>
+            </a:r>
+            <a:r>
+              <a:rPr lang="he-IL" sz="2400" dirty="0" smtClean="0"/>
+              <a:t>ממספר רב של </a:t>
             </a:r>
             <a:r>
               <a:rPr lang="he-IL" sz="2400" dirty="0" err="1" smtClean="0"/>
               <a:t>נוקליאודיטים</a:t>
             </a:r>
             <a:r>
-              <a:rPr lang="he-IL" sz="2400" dirty="0" smtClean="0"/>
+              <a:rPr lang="he-IL" sz="2400" dirty="0"/>
+              <a:t> (שהם </a:t>
+            </a:r>
+            <a:r>
+              <a:rPr lang="he-IL" sz="2400" dirty="0" err="1"/>
+              <a:t>אדנין</a:t>
+            </a:r>
+            <a:r>
+              <a:rPr lang="he-IL" sz="2400" dirty="0"/>
+              <a:t> (</a:t>
+            </a:r>
+            <a:r>
+              <a:rPr lang="en-US" sz="2400" dirty="0"/>
+              <a:t>A</a:t>
+            </a:r>
+            <a:r>
+              <a:rPr lang="he-IL" sz="2400" dirty="0"/>
+              <a:t>), </a:t>
+            </a:r>
+            <a:r>
+              <a:rPr lang="he-IL" sz="2400" dirty="0" err="1"/>
+              <a:t>גואנין</a:t>
+            </a:r>
+            <a:r>
+              <a:rPr lang="he-IL" sz="2400" dirty="0"/>
+              <a:t> (</a:t>
+            </a:r>
+            <a:r>
+              <a:rPr lang="en-US" sz="2400" dirty="0"/>
+              <a:t>G</a:t>
+            </a:r>
+            <a:r>
+              <a:rPr lang="he-IL" sz="2400" dirty="0"/>
+              <a:t>), תימין (</a:t>
+            </a:r>
+            <a:r>
+              <a:rPr lang="en-US" sz="2400" dirty="0"/>
+              <a:t>T</a:t>
+            </a:r>
+            <a:r>
+              <a:rPr lang="he-IL" sz="2400" dirty="0"/>
+              <a:t>) </a:t>
+            </a:r>
+            <a:r>
+              <a:rPr lang="he-IL" sz="2400" dirty="0" err="1"/>
+              <a:t>וציטוזין</a:t>
+            </a:r>
+            <a:r>
+              <a:rPr lang="he-IL" sz="2400" dirty="0"/>
               <a:t> </a:t>
             </a:r>
             <a:r>
-              <a:rPr lang="he-IL" sz="2400" dirty="0" smtClean="0"/>
-              <a:t>המאורגנים במבנה של סליל כפול. מולקולת ה-דנ"א מכילה את כל המידע התורשתי הדרוש לבניית החלבונים בתא אצל כל האורגניזמים </a:t>
-            </a:r>
-            <a:r>
-              <a:rPr lang="he-IL" sz="2400" dirty="0" smtClean="0"/>
-              <a:t>הידועים כאשר כל </a:t>
-            </a:r>
-            <a:r>
-              <a:rPr lang="he-IL" sz="2400" dirty="0" smtClean="0"/>
-              <a:t>מקטע משמעותי ב-דנ"א </a:t>
-            </a:r>
-            <a:r>
-              <a:rPr lang="he-IL" sz="2400" dirty="0" smtClean="0"/>
-              <a:t>מכיל </a:t>
-            </a:r>
-            <a:r>
-              <a:rPr lang="he-IL" sz="2400" dirty="0" smtClean="0"/>
-              <a:t>מידע לבניית חלבון או הוראות בקרה </a:t>
-            </a:r>
-            <a:r>
-              <a:rPr lang="he-IL" sz="2400" dirty="0" smtClean="0"/>
-              <a:t>ונקרה </a:t>
-            </a:r>
-            <a:r>
-              <a:rPr lang="he-IL" sz="2400" dirty="0" smtClean="0"/>
-              <a:t>גן. רצף הבסיסים המרכיבים את מולקולת ה-דנ"א מקודד גנים </a:t>
-            </a:r>
-            <a:r>
-              <a:rPr lang="he-IL" sz="2400" dirty="0" smtClean="0"/>
-              <a:t>שונים.</a:t>
+              <a:rPr lang="en-US" sz="2400" dirty="0"/>
+              <a:t>(C</a:t>
+            </a:r>
+            <a:r>
+              <a:rPr lang="en-US" sz="2400" dirty="0" smtClean="0"/>
+              <a:t>)</a:t>
+            </a:r>
+            <a:r>
+              <a:rPr lang="he-IL" sz="2400" dirty="0" smtClean="0"/>
+              <a:t> )</a:t>
             </a:r>
             <a:r>
               <a:rPr lang="he-IL" sz="2400" dirty="0" smtClean="0"/>
@@ -7028,148 +8008,77 @@
             </a:r>
             <a:r>
               <a:rPr lang="he-IL" sz="2400" dirty="0" smtClean="0"/>
-              <a:t>ה-דנ"א </a:t>
-            </a:r>
-            <a:r>
-              <a:rPr lang="he-IL" sz="2400" dirty="0" smtClean="0"/>
-              <a:t>מורכב מארבע תתי יחידות של בסיסים חנקניים (</a:t>
-            </a:r>
-            <a:r>
-              <a:rPr lang="he-IL" sz="2400" dirty="0" err="1" smtClean="0"/>
-              <a:t>נוקליאודיטים</a:t>
-            </a:r>
-            <a:r>
-              <a:rPr lang="he-IL" sz="2400" dirty="0" smtClean="0"/>
-              <a:t>) </a:t>
-            </a:r>
-            <a:r>
-              <a:rPr lang="he-IL" sz="2400" dirty="0" smtClean="0"/>
-              <a:t>שהם </a:t>
-            </a:r>
-            <a:r>
-              <a:rPr lang="he-IL" sz="2400" dirty="0" err="1" smtClean="0"/>
-              <a:t>אדנין</a:t>
-            </a:r>
-            <a:r>
-              <a:rPr lang="he-IL" sz="2400" dirty="0" smtClean="0"/>
-              <a:t> (</a:t>
-            </a:r>
-            <a:r>
-              <a:rPr lang="en-US" sz="2400" dirty="0" smtClean="0"/>
-              <a:t>A</a:t>
-            </a:r>
-            <a:r>
-              <a:rPr lang="he-IL" sz="2400" dirty="0" smtClean="0"/>
-              <a:t>), </a:t>
-            </a:r>
-            <a:r>
-              <a:rPr lang="he-IL" sz="2400" dirty="0" err="1" smtClean="0"/>
-              <a:t>גואנין</a:t>
-            </a:r>
-            <a:r>
-              <a:rPr lang="he-IL" sz="2400" dirty="0" smtClean="0"/>
-              <a:t> (</a:t>
-            </a:r>
-            <a:r>
-              <a:rPr lang="en-US" sz="2400" dirty="0" smtClean="0"/>
-              <a:t>G</a:t>
-            </a:r>
-            <a:r>
-              <a:rPr lang="he-IL" sz="2400" dirty="0" smtClean="0"/>
-              <a:t>), תימין (</a:t>
-            </a:r>
-            <a:r>
-              <a:rPr lang="en-US" sz="2400" dirty="0" smtClean="0"/>
-              <a:t>T</a:t>
-            </a:r>
-            <a:r>
-              <a:rPr lang="he-IL" sz="2400" dirty="0" smtClean="0"/>
-              <a:t>) </a:t>
-            </a:r>
-            <a:r>
-              <a:rPr lang="he-IL" sz="2400" dirty="0" err="1" smtClean="0"/>
-              <a:t>וציטוזין</a:t>
-            </a:r>
-            <a:r>
-              <a:rPr lang="he-IL" sz="2400" dirty="0" smtClean="0"/>
-              <a:t> (</a:t>
-            </a:r>
-            <a:r>
-              <a:rPr lang="en-US" sz="2400" dirty="0" smtClean="0"/>
-              <a:t>C</a:t>
-            </a:r>
-            <a:r>
-              <a:rPr lang="he-IL" sz="2400" dirty="0" smtClean="0"/>
-              <a:t>) שחוזרים על עצמם בצירופים שונים.</a:t>
-            </a:r>
-            <a:endParaRPr lang="he-IL" sz="2400" dirty="0" smtClean="0"/>
+              <a:t>המאורגנים במבנה של סליל </a:t>
+            </a:r>
+            <a:r>
+              <a:rPr lang="he-IL" sz="2400" dirty="0" smtClean="0"/>
+              <a:t>כפול (שני גדילים המחוברים יחד). </a:t>
+            </a:r>
           </a:p>
           <a:p>
             <a:pPr>
+              <a:lnSpc>
+                <a:spcPct val="80000"/>
+              </a:lnSpc>
               <a:buNone/>
             </a:pPr>
+            <a:endParaRPr lang="he-IL" sz="2400" dirty="0"/>
+          </a:p>
+          <a:p>
+            <a:pPr>
+              <a:lnSpc>
+                <a:spcPct val="80000"/>
+              </a:lnSpc>
+              <a:buNone/>
+            </a:pPr>
+            <a:r>
+              <a:rPr lang="he-IL" sz="2400" dirty="0"/>
+              <a:t>ניתר לתאר מולקולת </a:t>
+            </a:r>
+            <a:r>
+              <a:rPr lang="en-US" sz="2400" dirty="0"/>
+              <a:t>DNA</a:t>
+            </a:r>
+            <a:r>
+              <a:rPr lang="he-IL" sz="2400" dirty="0"/>
+              <a:t> של אדם כמחרוזת תווים מעל השפה </a:t>
+            </a:r>
+            <a:r>
+              <a:rPr lang="en-US" sz="2400" dirty="0"/>
+              <a:t>{A,C,G,T}</a:t>
+            </a:r>
+            <a:r>
+              <a:rPr lang="he-IL" sz="2400" dirty="0"/>
+              <a:t> המייצגת גדיל אחד מהסליל הכפול</a:t>
+            </a:r>
+            <a:r>
+              <a:rPr lang="he-IL" sz="2400" dirty="0" smtClean="0"/>
+              <a:t>.</a:t>
+            </a:r>
+          </a:p>
+          <a:p>
+            <a:pPr>
+              <a:lnSpc>
+                <a:spcPct val="80000"/>
+              </a:lnSpc>
+              <a:buNone/>
+            </a:pPr>
+            <a:endParaRPr lang="he-IL" sz="2400" dirty="0"/>
+          </a:p>
+          <a:p>
+            <a:pPr>
+              <a:lnSpc>
+                <a:spcPct val="80000"/>
+              </a:lnSpc>
+              <a:buNone/>
+            </a:pPr>
             <a:r>
               <a:rPr lang="he-IL" sz="2400" dirty="0" smtClean="0"/>
               <a:t>רצפי </a:t>
             </a:r>
             <a:r>
               <a:rPr lang="he-IL" sz="2400" dirty="0" smtClean="0"/>
-              <a:t>ה-דנ"א של שני בני אדם שונים זהה עד לדיוק של כ-99.9</a:t>
-            </a:r>
-            <a:r>
-              <a:rPr lang="he-IL" sz="2400" dirty="0" smtClean="0"/>
-              <a:t>%.</a:t>
-            </a:r>
-            <a:endParaRPr lang="he-IL" sz="2400" dirty="0" smtClean="0"/>
-          </a:p>
-          <a:p>
-            <a:pPr>
-              <a:buNone/>
-            </a:pPr>
-            <a:r>
-              <a:rPr lang="he-IL" sz="2400" dirty="0" smtClean="0"/>
-              <a:t>לסיכום </a:t>
-            </a:r>
-            <a:r>
-              <a:rPr lang="he-IL" sz="2400" dirty="0" smtClean="0"/>
-              <a:t>ניתן לתאר מולקולת דנ"א של אדם כמחרוזת של תווים </a:t>
-            </a:r>
-            <a:r>
-              <a:rPr lang="he-IL" sz="2400" dirty="0" smtClean="0"/>
-              <a:t>בשפה </a:t>
-            </a:r>
-            <a:r>
-              <a:rPr lang="en-US" sz="2400" dirty="0" smtClean="0"/>
-              <a:t>{A</a:t>
-            </a:r>
-            <a:r>
-              <a:rPr lang="en-US" sz="2400" dirty="0" smtClean="0"/>
-              <a:t>, C, G, </a:t>
-            </a:r>
-            <a:r>
-              <a:rPr lang="en-US" sz="2400" dirty="0" smtClean="0"/>
-              <a:t>T}</a:t>
-            </a:r>
-            <a:r>
-              <a:rPr lang="he-IL" sz="2400" dirty="0" smtClean="0"/>
-              <a:t> המייצגת </a:t>
-            </a:r>
-            <a:r>
-              <a:rPr lang="he-IL" sz="2400" dirty="0" smtClean="0"/>
-              <a:t>גדיל אחד מהסליל </a:t>
-            </a:r>
-            <a:r>
-              <a:rPr lang="he-IL" sz="2400" dirty="0" smtClean="0"/>
-              <a:t>הכפול.</a:t>
-            </a:r>
-          </a:p>
-          <a:p>
-            <a:pPr>
-              <a:buNone/>
-            </a:pPr>
-            <a:r>
-              <a:rPr lang="he-IL" sz="2400" dirty="0" smtClean="0"/>
-              <a:t>דוגמה למחרוזת המייצגת מקטע ב-</a:t>
+              <a:t>ה-</a:t>
             </a:r>
             <a:r>
               <a:rPr lang="en-US" sz="2400" dirty="0" smtClean="0"/>
@@ -7177,8 +8086,62 @@
             </a:r>
             <a:r>
               <a:rPr lang="he-IL" sz="2400" dirty="0" smtClean="0"/>
+              <a:t> של שני בני אדם שונים זהה עד לדיוק של כ-99.9</a:t>
+            </a:r>
+            <a:r>
+              <a:rPr lang="he-IL" sz="2400" dirty="0" smtClean="0"/>
+              <a:t>%.</a:t>
+            </a:r>
+          </a:p>
+          <a:p>
+            <a:pPr>
+              <a:lnSpc>
+                <a:spcPct val="80000"/>
+              </a:lnSpc>
+              <a:buNone/>
+            </a:pPr>
+            <a:endParaRPr lang="he-IL" sz="2400" dirty="0" smtClean="0"/>
+          </a:p>
+          <a:p>
+            <a:pPr>
+              <a:lnSpc>
+                <a:spcPct val="80000"/>
+              </a:lnSpc>
+              <a:buNone/>
+            </a:pPr>
+            <a:r>
+              <a:rPr lang="he-IL" sz="2400" dirty="0" smtClean="0"/>
+              <a:t>דוגמה למחרוזת </a:t>
+            </a:r>
+            <a:r>
+              <a:rPr lang="he-IL" sz="2400" dirty="0"/>
+              <a:t>המייצגת </a:t>
+            </a:r>
+            <a:r>
+              <a:rPr lang="he-IL" sz="2400" dirty="0" smtClean="0"/>
+              <a:t>מקטע קטן </a:t>
+            </a:r>
+            <a:r>
+              <a:rPr lang="he-IL" sz="2400" dirty="0"/>
+              <a:t>ב-</a:t>
+            </a:r>
+            <a:r>
+              <a:rPr lang="en-US" sz="2400" dirty="0"/>
+              <a:t>DNA</a:t>
+            </a:r>
+            <a:r>
+              <a:rPr lang="he-IL" sz="2400" dirty="0"/>
               <a:t> </a:t>
             </a:r>
+            <a:endParaRPr lang="en-US" sz="2400" dirty="0"/>
+          </a:p>
+          <a:p>
+            <a:pPr algn="l">
+              <a:lnSpc>
+                <a:spcPct val="80000"/>
+              </a:lnSpc>
+              <a:buNone/>
+            </a:pPr>
             <a:r>
               <a:rPr lang="en-US" sz="2400" dirty="0" smtClean="0"/>
               <a:t>X=“ACTGGTCATATTGACATGAAAGCTCA”</a:t>
@@ -7187,7 +8150,7 @@
               <a:rPr lang="he-IL" sz="2400" dirty="0" smtClean="0"/>
               <a:t> </a:t>
             </a:r>
-            <a:endParaRPr lang="en-US" sz="2400" dirty="0" smtClean="0"/>
+            <a:endParaRPr lang="en-US" sz="2400" dirty="0"/>
           </a:p>
         </p:txBody>
       </p:sp>
@@ -7420,6 +8383,11 @@
         </p:txBody>
       </p:sp>
     </p:spTree>
+    <p:extLst>
+      <p:ext uri="{BB962C8B-B14F-4D97-AF65-F5344CB8AC3E}">
+        <p14:creationId xmlns:p14="http://schemas.microsoft.com/office/powerpoint/2010/main" val="319193247"/>
+      </p:ext>
+    </p:extLst>
   </p:cSld>
   <p:clrMapOvr>
     <a:masterClrMapping/>
@@ -7460,10 +8428,9 @@
           <a:lstStyle/>
           <a:p>
             <a:r>
-              <a:rPr lang="en-US" dirty="0" smtClean="0"/>
+              <a:rPr lang="en-US" dirty="0"/>
               <a:t>Next Generation Sequencing (NGS)</a:t>
             </a:r>
-            <a:endParaRPr lang="he-IL" dirty="0"/>
           </a:p>
         </p:txBody>
       </p:sp>
@@ -7477,9 +8444,381 @@
             <p:ph idx="1"/>
           </p:nvPr>
         </p:nvSpPr>
-        <p:spPr/>
-        <p:txBody>
-          <a:bodyPr/>
+        <p:spPr>
+          <a:xfrm>
+            <a:off x="539552" y="1340768"/>
+            <a:ext cx="8229600" cy="4925144"/>
+          </a:xfrm>
+        </p:spPr>
+        <p:txBody>
+          <a:bodyPr>
+            <a:normAutofit/>
+          </a:bodyPr>
+          <a:lstStyle/>
+          <a:p>
+            <a:pPr>
+              <a:lnSpc>
+                <a:spcPct val="80000"/>
+              </a:lnSpc>
+              <a:buNone/>
+            </a:pPr>
+            <a:r>
+              <a:rPr lang="he-IL" sz="2400" dirty="0" smtClean="0"/>
+              <a:t>שיטת ה-</a:t>
+            </a:r>
+            <a:r>
+              <a:rPr lang="en-US" sz="2400" dirty="0" smtClean="0"/>
+              <a:t>NGS</a:t>
+            </a:r>
+            <a:r>
+              <a:rPr lang="he-IL" sz="2400" dirty="0" smtClean="0"/>
+              <a:t> היא שיטה חדשנית למיפוי רצף </a:t>
+            </a:r>
+            <a:r>
+              <a:rPr lang="en-US" sz="2400" dirty="0" smtClean="0"/>
+              <a:t>DNA</a:t>
+            </a:r>
+            <a:r>
+              <a:rPr lang="he-IL" sz="2400" dirty="0" smtClean="0"/>
+              <a:t> של אדם המשתמשת במכונות זולות (יחסית לעלות </a:t>
+            </a:r>
+            <a:r>
+              <a:rPr lang="he-IL" sz="2400" dirty="0" err="1" smtClean="0"/>
+              <a:t>שהיתה</a:t>
+            </a:r>
+            <a:r>
+              <a:rPr lang="he-IL" sz="2400" dirty="0" smtClean="0"/>
+              <a:t> עד כה).</a:t>
+            </a:r>
+          </a:p>
+          <a:p>
+            <a:pPr>
+              <a:lnSpc>
+                <a:spcPct val="80000"/>
+              </a:lnSpc>
+              <a:buNone/>
+            </a:pPr>
+            <a:endParaRPr lang="he-IL" sz="2400" dirty="0"/>
+          </a:p>
+          <a:p>
+            <a:pPr>
+              <a:lnSpc>
+                <a:spcPct val="80000"/>
+              </a:lnSpc>
+              <a:buNone/>
+            </a:pPr>
+            <a:r>
+              <a:rPr lang="he-IL" sz="2400" dirty="0" smtClean="0"/>
+              <a:t>המכונה חותכת מספר גדול של רצפים קצרים (30-200) של תווים במיקומים אקראיים ב-</a:t>
+            </a:r>
+            <a:r>
+              <a:rPr lang="en-US" sz="2400" dirty="0" smtClean="0"/>
+              <a:t>DNA</a:t>
+            </a:r>
+            <a:r>
+              <a:rPr lang="he-IL" sz="2400" dirty="0" smtClean="0"/>
+              <a:t> של האדם אשר רוצים למפות את רצף ה-</a:t>
+            </a:r>
+            <a:r>
+              <a:rPr lang="en-US" sz="2400" dirty="0" smtClean="0"/>
+              <a:t>DNA</a:t>
+            </a:r>
+            <a:r>
+              <a:rPr lang="he-IL" sz="2400" dirty="0" smtClean="0"/>
+              <a:t> שלו (לכל רצף קטן נקרא מחרוזת דגימה). </a:t>
+            </a:r>
+          </a:p>
+          <a:p>
+            <a:pPr>
+              <a:lnSpc>
+                <a:spcPct val="80000"/>
+              </a:lnSpc>
+              <a:buNone/>
+            </a:pPr>
+            <a:endParaRPr lang="he-IL" sz="2400" dirty="0"/>
+          </a:p>
+          <a:p>
+            <a:pPr>
+              <a:lnSpc>
+                <a:spcPct val="80000"/>
+              </a:lnSpc>
+              <a:buNone/>
+            </a:pPr>
+            <a:r>
+              <a:rPr lang="he-IL" sz="2400" dirty="0" smtClean="0"/>
+              <a:t>בשיטה זו משתמשים במחרוזת המייצגת </a:t>
+            </a:r>
+            <a:r>
+              <a:rPr lang="en-US" sz="2400" dirty="0" smtClean="0"/>
+              <a:t>DNA</a:t>
+            </a:r>
+            <a:r>
+              <a:rPr lang="he-IL" sz="2400" dirty="0" smtClean="0"/>
+              <a:t> שמופתה בעבר (מחרוזת ההתייחסות) ובאלגוריתמים שימצאו את המיקום המתאים לכל מחרוזת דגימה וכך נחבר בחזרה את הרצפים הקצרים שנקראו למחרוזת אחת ארוכה שמייצגת את ה-</a:t>
+            </a:r>
+            <a:r>
+              <a:rPr lang="en-US" sz="2400" dirty="0" smtClean="0"/>
+              <a:t>DNA</a:t>
+            </a:r>
+            <a:r>
+              <a:rPr lang="he-IL" sz="2400" dirty="0" smtClean="0"/>
+              <a:t> של האדם החדש.</a:t>
+            </a:r>
+          </a:p>
+          <a:p>
+            <a:pPr>
+              <a:lnSpc>
+                <a:spcPct val="80000"/>
+              </a:lnSpc>
+              <a:buNone/>
+            </a:pPr>
+            <a:endParaRPr lang="he-IL" sz="2400" dirty="0"/>
+          </a:p>
+          <a:p>
+            <a:pPr>
+              <a:lnSpc>
+                <a:spcPct val="80000"/>
+              </a:lnSpc>
+              <a:buNone/>
+            </a:pPr>
+            <a:r>
+              <a:rPr lang="he-IL" sz="2400" dirty="0" smtClean="0"/>
+              <a:t>כאשר המכונה חותכת רצף של תווים מתקבלות זוגות של דגימות שבאות מאותו אזור ב-</a:t>
+            </a:r>
+            <a:r>
+              <a:rPr lang="en-US" sz="2400" dirty="0" smtClean="0"/>
+              <a:t>DNA</a:t>
+            </a:r>
+            <a:r>
+              <a:rPr lang="he-IL" sz="2400" dirty="0" smtClean="0"/>
+              <a:t> בגלל צורת החיתוך בה המכונה משתמשת.  </a:t>
+            </a:r>
+            <a:endParaRPr lang="en-US" sz="2400" dirty="0"/>
+          </a:p>
+        </p:txBody>
+      </p:sp>
+      <p:sp>
+        <p:nvSpPr>
+          <p:cNvPr id="5122" name="Rectangle 2"/>
+          <p:cNvSpPr>
+            <a:spLocks noChangeArrowheads="1"/>
+          </p:cNvSpPr>
+          <p:nvPr/>
+        </p:nvSpPr>
+        <p:spPr bwMode="auto">
+          <a:xfrm>
+            <a:off x="0" y="0"/>
+            <a:ext cx="9144000" cy="0"/>
+          </a:xfrm>
+          <a:prstGeom prst="rect">
+            <a:avLst/>
+          </a:prstGeom>
+          <a:noFill/>
+          <a:ln w="9525">
+            <a:noFill/>
+            <a:miter lim="800000"/>
+            <a:headEnd/>
+            <a:tailEnd/>
+          </a:ln>
+          <a:effectLst/>
+        </p:spPr>
+        <p:txBody>
+          <a:bodyPr vert="horz" wrap="none" lIns="91440" tIns="45720" rIns="91440" bIns="45720" numCol="1" anchor="ctr" anchorCtr="0" compatLnSpc="1">
+            <a:prstTxWarp prst="textNoShape">
+              <a:avLst/>
+            </a:prstTxWarp>
+            <a:spAutoFit/>
+          </a:bodyPr>
+          <a:lstStyle/>
+          <a:p>
+            <a:endParaRPr lang="he-IL"/>
+          </a:p>
+        </p:txBody>
+      </p:sp>
+      <p:sp>
+        <p:nvSpPr>
+          <p:cNvPr id="5124" name="Rectangle 4"/>
+          <p:cNvSpPr>
+            <a:spLocks noChangeArrowheads="1"/>
+          </p:cNvSpPr>
+          <p:nvPr/>
+        </p:nvSpPr>
+        <p:spPr bwMode="auto">
+          <a:xfrm>
+            <a:off x="0" y="0"/>
+            <a:ext cx="9144000" cy="0"/>
+          </a:xfrm>
+          <a:prstGeom prst="rect">
+            <a:avLst/>
+          </a:prstGeom>
+          <a:noFill/>
+          <a:ln w="9525">
+            <a:noFill/>
+            <a:miter lim="800000"/>
+            <a:headEnd/>
+            <a:tailEnd/>
+          </a:ln>
+          <a:effectLst/>
+        </p:spPr>
+        <p:txBody>
+          <a:bodyPr vert="horz" wrap="none" lIns="91440" tIns="45720" rIns="91440" bIns="45720" numCol="1" anchor="ctr" anchorCtr="0" compatLnSpc="1">
+            <a:prstTxWarp prst="textNoShape">
+              <a:avLst/>
+            </a:prstTxWarp>
+            <a:spAutoFit/>
+          </a:bodyPr>
+          <a:lstStyle/>
+          <a:p>
+            <a:endParaRPr lang="he-IL"/>
+          </a:p>
+        </p:txBody>
+      </p:sp>
+      <p:sp>
+        <p:nvSpPr>
+          <p:cNvPr id="5126" name="Rectangle 6"/>
+          <p:cNvSpPr>
+            <a:spLocks noChangeArrowheads="1"/>
+          </p:cNvSpPr>
+          <p:nvPr/>
+        </p:nvSpPr>
+        <p:spPr bwMode="auto">
+          <a:xfrm>
+            <a:off x="0" y="0"/>
+            <a:ext cx="9144000" cy="0"/>
+          </a:xfrm>
+          <a:prstGeom prst="rect">
+            <a:avLst/>
+          </a:prstGeom>
+          <a:noFill/>
+          <a:ln w="9525">
+            <a:noFill/>
+            <a:miter lim="800000"/>
+            <a:headEnd/>
+            <a:tailEnd/>
+          </a:ln>
+          <a:effectLst/>
+        </p:spPr>
+        <p:txBody>
+          <a:bodyPr vert="horz" wrap="none" lIns="91440" tIns="45720" rIns="91440" bIns="45720" numCol="1" anchor="ctr" anchorCtr="0" compatLnSpc="1">
+            <a:prstTxWarp prst="textNoShape">
+              <a:avLst/>
+            </a:prstTxWarp>
+            <a:spAutoFit/>
+          </a:bodyPr>
+          <a:lstStyle/>
+          <a:p>
+            <a:endParaRPr lang="he-IL"/>
+          </a:p>
+        </p:txBody>
+      </p:sp>
+      <p:sp>
+        <p:nvSpPr>
+          <p:cNvPr id="5128" name="Rectangle 8"/>
+          <p:cNvSpPr>
+            <a:spLocks noChangeArrowheads="1"/>
+          </p:cNvSpPr>
+          <p:nvPr/>
+        </p:nvSpPr>
+        <p:spPr bwMode="auto">
+          <a:xfrm>
+            <a:off x="0" y="0"/>
+            <a:ext cx="9144000" cy="0"/>
+          </a:xfrm>
+          <a:prstGeom prst="rect">
+            <a:avLst/>
+          </a:prstGeom>
+          <a:noFill/>
+          <a:ln w="9525">
+            <a:noFill/>
+            <a:miter lim="800000"/>
+            <a:headEnd/>
+            <a:tailEnd/>
+          </a:ln>
+          <a:effectLst/>
+        </p:spPr>
+        <p:txBody>
+          <a:bodyPr vert="horz" wrap="none" lIns="91440" tIns="45720" rIns="91440" bIns="45720" numCol="1" anchor="ctr" anchorCtr="0" compatLnSpc="1">
+            <a:prstTxWarp prst="textNoShape">
+              <a:avLst/>
+            </a:prstTxWarp>
+            <a:spAutoFit/>
+          </a:bodyPr>
+          <a:lstStyle/>
+          <a:p>
+            <a:endParaRPr lang="he-IL"/>
+          </a:p>
+        </p:txBody>
+      </p:sp>
+      <p:sp>
+        <p:nvSpPr>
+          <p:cNvPr id="5130" name="Rectangle 10"/>
+          <p:cNvSpPr>
+            <a:spLocks noChangeArrowheads="1"/>
+          </p:cNvSpPr>
+          <p:nvPr/>
+        </p:nvSpPr>
+        <p:spPr bwMode="auto">
+          <a:xfrm>
+            <a:off x="0" y="0"/>
+            <a:ext cx="9144000" cy="0"/>
+          </a:xfrm>
+          <a:prstGeom prst="rect">
+            <a:avLst/>
+          </a:prstGeom>
+          <a:noFill/>
+          <a:ln w="9525">
+            <a:noFill/>
+            <a:miter lim="800000"/>
+            <a:headEnd/>
+            <a:tailEnd/>
+          </a:ln>
+          <a:effectLst/>
+        </p:spPr>
+        <p:txBody>
+          <a:bodyPr vert="horz" wrap="none" lIns="91440" tIns="45720" rIns="91440" bIns="45720" numCol="1" anchor="ctr" anchorCtr="0" compatLnSpc="1">
+            <a:prstTxWarp prst="textNoShape">
+              <a:avLst/>
+            </a:prstTxWarp>
+            <a:spAutoFit/>
+          </a:bodyPr>
+          <a:lstStyle/>
+          <a:p>
+            <a:endParaRPr lang="he-IL"/>
+          </a:p>
+        </p:txBody>
+      </p:sp>
+      <p:sp>
+        <p:nvSpPr>
+          <p:cNvPr id="5132" name="Rectangle 12"/>
+          <p:cNvSpPr>
+            <a:spLocks noChangeArrowheads="1"/>
+          </p:cNvSpPr>
+          <p:nvPr/>
+        </p:nvSpPr>
+        <p:spPr bwMode="auto">
+          <a:xfrm>
+            <a:off x="0" y="0"/>
+            <a:ext cx="9144000" cy="0"/>
+          </a:xfrm>
+          <a:prstGeom prst="rect">
+            <a:avLst/>
+          </a:prstGeom>
+          <a:noFill/>
+          <a:ln w="9525">
+            <a:noFill/>
+            <a:miter lim="800000"/>
+            <a:headEnd/>
+            <a:tailEnd/>
+          </a:ln>
+          <a:effectLst/>
+        </p:spPr>
+        <p:txBody>
+          <a:bodyPr vert="horz" wrap="none" lIns="91440" tIns="45720" rIns="91440" bIns="45720" numCol="1" anchor="ctr" anchorCtr="0" compatLnSpc="1">
+            <a:prstTxWarp prst="textNoShape">
+              <a:avLst/>
+            </a:prstTxWarp>
+            <a:spAutoFit/>
+          </a:bodyPr>
           <a:lstStyle/>
           <a:p>
             <a:endParaRPr lang="he-IL"/>
@@ -7487,6 +8826,11 @@
         </p:txBody>
       </p:sp>
     </p:spTree>
+    <p:extLst>
+      <p:ext uri="{BB962C8B-B14F-4D97-AF65-F5344CB8AC3E}">
+        <p14:creationId xmlns:p14="http://schemas.microsoft.com/office/powerpoint/2010/main" val="2311900607"/>
+      </p:ext>
+    </p:extLst>
   </p:cSld>
   <p:clrMapOvr>
     <a:masterClrMapping/>
@@ -7528,9 +8872,9 @@
           <a:p>
             <a:r>
               <a:rPr lang="en-US" dirty="0" smtClean="0"/>
-              <a:t>Example????</a:t>
-            </a:r>
-            <a:endParaRPr lang="he-IL" dirty="0"/>
+              <a:t>Example</a:t>
+            </a:r>
+            <a:endParaRPr lang="en-US" dirty="0"/>
           </a:p>
         </p:txBody>
       </p:sp>
@@ -7541,19 +8885,406 @@
             <a:spLocks noGrp="1"/>
           </p:cNvSpPr>
           <p:nvPr>
-            <p:ph idx="1"/>
+            <p:ph sz="half" idx="1"/>
           </p:nvPr>
         </p:nvSpPr>
-        <p:spPr/>
-        <p:txBody>
-          <a:bodyPr/>
-          <a:lstStyle/>
-          <a:p>
-            <a:endParaRPr lang="he-IL"/>
-          </a:p>
-        </p:txBody>
-      </p:sp>
+        <p:spPr>
+          <a:xfrm>
+            <a:off x="4648200" y="1556792"/>
+            <a:ext cx="4038600" cy="4525963"/>
+          </a:xfrm>
+        </p:spPr>
+        <p:txBody>
+          <a:bodyPr>
+            <a:normAutofit/>
+          </a:bodyPr>
+          <a:lstStyle/>
+          <a:p>
+            <a:pPr>
+              <a:lnSpc>
+                <a:spcPct val="80000"/>
+              </a:lnSpc>
+              <a:buNone/>
+            </a:pPr>
+            <a:r>
+              <a:rPr lang="he-IL" sz="2400" dirty="0" smtClean="0"/>
+              <a:t>חיבור מספר דגימות שהמיקומים שלהם אותרו לרצף </a:t>
+            </a:r>
+            <a:r>
+              <a:rPr lang="en-US" sz="2400" dirty="0" smtClean="0"/>
+              <a:t>DNA</a:t>
+            </a:r>
+            <a:r>
+              <a:rPr lang="he-IL" sz="2400" dirty="0" smtClean="0"/>
+              <a:t> של החולה ממנו נלקחו הדגימות.</a:t>
+            </a:r>
+          </a:p>
+          <a:p>
+            <a:pPr>
+              <a:lnSpc>
+                <a:spcPct val="80000"/>
+              </a:lnSpc>
+              <a:buNone/>
+            </a:pPr>
+            <a:endParaRPr lang="he-IL" sz="2400" dirty="0" smtClean="0"/>
+          </a:p>
+          <a:p>
+            <a:pPr>
+              <a:lnSpc>
+                <a:spcPct val="80000"/>
+              </a:lnSpc>
+              <a:buNone/>
+            </a:pPr>
+            <a:endParaRPr lang="he-IL" sz="2400" dirty="0"/>
+          </a:p>
+          <a:p>
+            <a:pPr>
+              <a:lnSpc>
+                <a:spcPct val="80000"/>
+              </a:lnSpc>
+              <a:buNone/>
+            </a:pPr>
+            <a:endParaRPr lang="he-IL" sz="2400" dirty="0" smtClean="0"/>
+          </a:p>
+          <a:p>
+            <a:pPr>
+              <a:lnSpc>
+                <a:spcPct val="80000"/>
+              </a:lnSpc>
+              <a:buNone/>
+            </a:pPr>
+            <a:r>
+              <a:rPr lang="he-IL" sz="2400" dirty="0" smtClean="0"/>
+              <a:t>דוגמה לאופן הבחירה של מיקומי הדגימות בהסתמך על העובדה שדגימות התקבלו בזוגות עם מרווח ידוע </a:t>
+            </a:r>
+            <a:r>
+              <a:rPr lang="he-IL" sz="2400" dirty="0" err="1" smtClean="0"/>
+              <a:t>בנהן</a:t>
+            </a:r>
+            <a:r>
+              <a:rPr lang="he-IL" sz="2400" dirty="0" smtClean="0"/>
+              <a:t>.</a:t>
+            </a:r>
+          </a:p>
+          <a:p>
+            <a:pPr>
+              <a:lnSpc>
+                <a:spcPct val="80000"/>
+              </a:lnSpc>
+              <a:buNone/>
+            </a:pPr>
+            <a:endParaRPr lang="he-IL" sz="2400" dirty="0"/>
+          </a:p>
+          <a:p>
+            <a:pPr>
+              <a:lnSpc>
+                <a:spcPct val="80000"/>
+              </a:lnSpc>
+              <a:buNone/>
+            </a:pPr>
+            <a:endParaRPr lang="he-IL" sz="2400" dirty="0"/>
+          </a:p>
+        </p:txBody>
+      </p:sp>
+      <p:sp>
+        <p:nvSpPr>
+          <p:cNvPr id="5122" name="Rectangle 2"/>
+          <p:cNvSpPr>
+            <a:spLocks noChangeArrowheads="1"/>
+          </p:cNvSpPr>
+          <p:nvPr/>
+        </p:nvSpPr>
+        <p:spPr bwMode="auto">
+          <a:xfrm>
+            <a:off x="0" y="0"/>
+            <a:ext cx="9144000" cy="0"/>
+          </a:xfrm>
+          <a:prstGeom prst="rect">
+            <a:avLst/>
+          </a:prstGeom>
+          <a:noFill/>
+          <a:ln w="9525">
+            <a:noFill/>
+            <a:miter lim="800000"/>
+            <a:headEnd/>
+            <a:tailEnd/>
+          </a:ln>
+          <a:effectLst/>
+        </p:spPr>
+        <p:txBody>
+          <a:bodyPr vert="horz" wrap="none" lIns="91440" tIns="45720" rIns="91440" bIns="45720" numCol="1" anchor="ctr" anchorCtr="0" compatLnSpc="1">
+            <a:prstTxWarp prst="textNoShape">
+              <a:avLst/>
+            </a:prstTxWarp>
+            <a:spAutoFit/>
+          </a:bodyPr>
+          <a:lstStyle/>
+          <a:p>
+            <a:endParaRPr lang="he-IL"/>
+          </a:p>
+        </p:txBody>
+      </p:sp>
+      <p:sp>
+        <p:nvSpPr>
+          <p:cNvPr id="5124" name="Rectangle 4"/>
+          <p:cNvSpPr>
+            <a:spLocks noChangeArrowheads="1"/>
+          </p:cNvSpPr>
+          <p:nvPr/>
+        </p:nvSpPr>
+        <p:spPr bwMode="auto">
+          <a:xfrm>
+            <a:off x="0" y="0"/>
+            <a:ext cx="9144000" cy="0"/>
+          </a:xfrm>
+          <a:prstGeom prst="rect">
+            <a:avLst/>
+          </a:prstGeom>
+          <a:noFill/>
+          <a:ln w="9525">
+            <a:noFill/>
+            <a:miter lim="800000"/>
+            <a:headEnd/>
+            <a:tailEnd/>
+          </a:ln>
+          <a:effectLst/>
+        </p:spPr>
+        <p:txBody>
+          <a:bodyPr vert="horz" wrap="none" lIns="91440" tIns="45720" rIns="91440" bIns="45720" numCol="1" anchor="ctr" anchorCtr="0" compatLnSpc="1">
+            <a:prstTxWarp prst="textNoShape">
+              <a:avLst/>
+            </a:prstTxWarp>
+            <a:spAutoFit/>
+          </a:bodyPr>
+          <a:lstStyle/>
+          <a:p>
+            <a:endParaRPr lang="he-IL"/>
+          </a:p>
+        </p:txBody>
+      </p:sp>
+      <p:sp>
+        <p:nvSpPr>
+          <p:cNvPr id="5126" name="Rectangle 6"/>
+          <p:cNvSpPr>
+            <a:spLocks noChangeArrowheads="1"/>
+          </p:cNvSpPr>
+          <p:nvPr/>
+        </p:nvSpPr>
+        <p:spPr bwMode="auto">
+          <a:xfrm>
+            <a:off x="0" y="0"/>
+            <a:ext cx="9144000" cy="0"/>
+          </a:xfrm>
+          <a:prstGeom prst="rect">
+            <a:avLst/>
+          </a:prstGeom>
+          <a:noFill/>
+          <a:ln w="9525">
+            <a:noFill/>
+            <a:miter lim="800000"/>
+            <a:headEnd/>
+            <a:tailEnd/>
+          </a:ln>
+          <a:effectLst/>
+        </p:spPr>
+        <p:txBody>
+          <a:bodyPr vert="horz" wrap="none" lIns="91440" tIns="45720" rIns="91440" bIns="45720" numCol="1" anchor="ctr" anchorCtr="0" compatLnSpc="1">
+            <a:prstTxWarp prst="textNoShape">
+              <a:avLst/>
+            </a:prstTxWarp>
+            <a:spAutoFit/>
+          </a:bodyPr>
+          <a:lstStyle/>
+          <a:p>
+            <a:endParaRPr lang="he-IL"/>
+          </a:p>
+        </p:txBody>
+      </p:sp>
+      <p:sp>
+        <p:nvSpPr>
+          <p:cNvPr id="5128" name="Rectangle 8"/>
+          <p:cNvSpPr>
+            <a:spLocks noChangeArrowheads="1"/>
+          </p:cNvSpPr>
+          <p:nvPr/>
+        </p:nvSpPr>
+        <p:spPr bwMode="auto">
+          <a:xfrm>
+            <a:off x="0" y="0"/>
+            <a:ext cx="9144000" cy="0"/>
+          </a:xfrm>
+          <a:prstGeom prst="rect">
+            <a:avLst/>
+          </a:prstGeom>
+          <a:noFill/>
+          <a:ln w="9525">
+            <a:noFill/>
+            <a:miter lim="800000"/>
+            <a:headEnd/>
+            <a:tailEnd/>
+          </a:ln>
+          <a:effectLst/>
+        </p:spPr>
+        <p:txBody>
+          <a:bodyPr vert="horz" wrap="none" lIns="91440" tIns="45720" rIns="91440" bIns="45720" numCol="1" anchor="ctr" anchorCtr="0" compatLnSpc="1">
+            <a:prstTxWarp prst="textNoShape">
+              <a:avLst/>
+            </a:prstTxWarp>
+            <a:spAutoFit/>
+          </a:bodyPr>
+          <a:lstStyle/>
+          <a:p>
+            <a:endParaRPr lang="he-IL"/>
+          </a:p>
+        </p:txBody>
+      </p:sp>
+      <p:sp>
+        <p:nvSpPr>
+          <p:cNvPr id="5130" name="Rectangle 10"/>
+          <p:cNvSpPr>
+            <a:spLocks noChangeArrowheads="1"/>
+          </p:cNvSpPr>
+          <p:nvPr/>
+        </p:nvSpPr>
+        <p:spPr bwMode="auto">
+          <a:xfrm>
+            <a:off x="0" y="0"/>
+            <a:ext cx="9144000" cy="0"/>
+          </a:xfrm>
+          <a:prstGeom prst="rect">
+            <a:avLst/>
+          </a:prstGeom>
+          <a:noFill/>
+          <a:ln w="9525">
+            <a:noFill/>
+            <a:miter lim="800000"/>
+            <a:headEnd/>
+            <a:tailEnd/>
+          </a:ln>
+          <a:effectLst/>
+        </p:spPr>
+        <p:txBody>
+          <a:bodyPr vert="horz" wrap="none" lIns="91440" tIns="45720" rIns="91440" bIns="45720" numCol="1" anchor="ctr" anchorCtr="0" compatLnSpc="1">
+            <a:prstTxWarp prst="textNoShape">
+              <a:avLst/>
+            </a:prstTxWarp>
+            <a:spAutoFit/>
+          </a:bodyPr>
+          <a:lstStyle/>
+          <a:p>
+            <a:endParaRPr lang="he-IL"/>
+          </a:p>
+        </p:txBody>
+      </p:sp>
+      <p:sp>
+        <p:nvSpPr>
+          <p:cNvPr id="5132" name="Rectangle 12"/>
+          <p:cNvSpPr>
+            <a:spLocks noChangeArrowheads="1"/>
+          </p:cNvSpPr>
+          <p:nvPr/>
+        </p:nvSpPr>
+        <p:spPr bwMode="auto">
+          <a:xfrm>
+            <a:off x="0" y="0"/>
+            <a:ext cx="9144000" cy="0"/>
+          </a:xfrm>
+          <a:prstGeom prst="rect">
+            <a:avLst/>
+          </a:prstGeom>
+          <a:noFill/>
+          <a:ln w="9525">
+            <a:noFill/>
+            <a:miter lim="800000"/>
+            <a:headEnd/>
+            <a:tailEnd/>
+          </a:ln>
+          <a:effectLst/>
+        </p:spPr>
+        <p:txBody>
+          <a:bodyPr vert="horz" wrap="none" lIns="91440" tIns="45720" rIns="91440" bIns="45720" numCol="1" anchor="ctr" anchorCtr="0" compatLnSpc="1">
+            <a:prstTxWarp prst="textNoShape">
+              <a:avLst/>
+            </a:prstTxWarp>
+            <a:spAutoFit/>
+          </a:bodyPr>
+          <a:lstStyle/>
+          <a:p>
+            <a:endParaRPr lang="he-IL"/>
+          </a:p>
+        </p:txBody>
+      </p:sp>
+      <p:pic>
+        <p:nvPicPr>
+          <p:cNvPr id="1028" name="Picture 4" descr="http://upload.wikimedia.org/wikipedia/commons/2/2e/Mapping_Reads.png"/>
+          <p:cNvPicPr>
+            <a:picLocks noChangeAspect="1" noChangeArrowheads="1"/>
+          </p:cNvPicPr>
+          <p:nvPr/>
+        </p:nvPicPr>
+        <p:blipFill>
+          <a:blip r:embed="rId2" cstate="print">
+            <a:extLst>
+              <a:ext uri="{28A0092B-C50C-407E-A947-70E740481C1C}">
+                <a14:useLocalDpi xmlns:a14="http://schemas.microsoft.com/office/drawing/2010/main" val="0"/>
+              </a:ext>
+            </a:extLst>
+          </a:blip>
+          <a:srcRect/>
+          <a:stretch>
+            <a:fillRect/>
+          </a:stretch>
+        </p:blipFill>
+        <p:spPr bwMode="auto">
+          <a:xfrm>
+            <a:off x="457200" y="3429000"/>
+            <a:ext cx="4032448" cy="2913546"/>
+          </a:xfrm>
+          <a:prstGeom prst="rect">
+            <a:avLst/>
+          </a:prstGeom>
+          <a:noFill/>
+          <a:extLst>
+            <a:ext uri="{909E8E84-426E-40DD-AFC4-6F175D3DCCD1}">
+              <a14:hiddenFill xmlns:a14="http://schemas.microsoft.com/office/drawing/2010/main">
+                <a:solidFill>
+                  <a:srgbClr val="FFFFFF"/>
+                </a:solidFill>
+              </a14:hiddenFill>
+            </a:ext>
+          </a:extLst>
+        </p:spPr>
+      </p:pic>
+      <p:pic>
+        <p:nvPicPr>
+          <p:cNvPr id="4" name="תמונה 3"/>
+          <p:cNvPicPr>
+            <a:picLocks noChangeAspect="1"/>
+          </p:cNvPicPr>
+          <p:nvPr/>
+        </p:nvPicPr>
+        <p:blipFill>
+          <a:blip r:embed="rId3"/>
+          <a:stretch>
+            <a:fillRect/>
+          </a:stretch>
+        </p:blipFill>
+        <p:spPr>
+          <a:xfrm>
+            <a:off x="214351" y="1504001"/>
+            <a:ext cx="4458852" cy="1653008"/>
+          </a:xfrm>
+          <a:prstGeom prst="rect">
+            <a:avLst/>
+          </a:prstGeom>
+        </p:spPr>
+      </p:pic>
     </p:spTree>
+    <p:extLst>
+      <p:ext uri="{BB962C8B-B14F-4D97-AF65-F5344CB8AC3E}">
+        <p14:creationId xmlns:p14="http://schemas.microsoft.com/office/powerpoint/2010/main" val="2311900607"/>
+      </p:ext>
+    </p:extLst>
   </p:cSld>
   <p:clrMapOvr>
     <a:masterClrMapping/>
@@ -7595,11 +9326,7 @@
           <a:p>
             <a:r>
               <a:rPr lang="en-US" dirty="0" smtClean="0"/>
-              <a:t>Burrows-Wheeler </a:t>
-            </a:r>
-            <a:r>
-              <a:rPr lang="en-US" dirty="0" smtClean="0"/>
-              <a:t>Aligner (BWA)</a:t>
+              <a:t>Burrows-Wheeler Aligner (BWA)</a:t>
             </a:r>
             <a:endParaRPr lang="en-US" dirty="0"/>
           </a:p>
@@ -7623,7 +9350,7 @@
         </p:spPr>
         <p:txBody>
           <a:bodyPr>
-            <a:normAutofit/>
+            <a:normAutofit lnSpcReduction="10000"/>
           </a:bodyPr>
           <a:lstStyle/>
           <a:p>
@@ -7635,7 +9362,11 @@
             </a:pPr>
             <a:r>
               <a:rPr lang="he-IL" sz="2400" dirty="0" smtClean="0"/>
-              <a:t>אלגוריתם ה-</a:t>
+              <a:t>אלגוריתם </a:t>
+            </a:r>
+            <a:r>
+              <a:rPr lang="he-IL" sz="2400" dirty="0" smtClean="0"/>
+              <a:t>ה-</a:t>
             </a:r>
             <a:r>
               <a:rPr lang="en-US" sz="2400" dirty="0" smtClean="0"/>
@@ -7643,19 +9374,7 @@
             </a:r>
             <a:r>
               <a:rPr lang="he-IL" sz="2400" dirty="0" smtClean="0"/>
-              <a:t> הוא אחד מהאלגוריתמים שניתן להשתמש בהם כדי לבצע את תהליך ה-</a:t>
-            </a:r>
-            <a:r>
-              <a:rPr lang="en-US" sz="2400" dirty="0" smtClean="0"/>
-              <a:t>NGS</a:t>
-            </a:r>
-            <a:r>
-              <a:rPr lang="he-IL" sz="2400" dirty="0" smtClean="0"/>
-              <a:t>.</a:t>
-            </a:r>
-            <a:r>
-              <a:rPr lang="he-IL" sz="2400" dirty="0"/>
-              <a:t> </a:t>
+              <a:t> מוצא את כלל ההופעות של מחרוזת אחת (מחרוזת דגימה) בתוך מחרוזת שנייה (מחרוזת ההתייחסות). </a:t>
             </a:r>
             <a:endParaRPr lang="he-IL" sz="2400" dirty="0" smtClean="0"/>
           </a:p>
@@ -7666,42 +9385,7 @@
               </a:lnSpc>
               <a:buNone/>
             </a:pPr>
-            <a:r>
-              <a:rPr lang="he-IL" sz="2400" dirty="0" smtClean="0"/>
-              <a:t>אלגוריתם ה-</a:t>
-            </a:r>
-            <a:r>
-              <a:rPr lang="en-US" sz="2400" dirty="0" smtClean="0"/>
-              <a:t>BWA</a:t>
-            </a:r>
-            <a:r>
-              <a:rPr lang="he-IL" sz="2400" dirty="0" smtClean="0"/>
-              <a:t> מוצא את כלל ההופעות של מחרוזת אחת (מחרוזת דגימה) בתוך מחרוזת שנייה (מחרוזת ההתייחסות). האלגוריתם מוצא את ההופעות המדויקות (</a:t>
-            </a:r>
-            <a:r>
-              <a:rPr lang="en-US" sz="2400" dirty="0" smtClean="0"/>
-              <a:t>exact matching</a:t>
-            </a:r>
-            <a:r>
-              <a:rPr lang="he-IL" sz="2400" dirty="0" smtClean="0"/>
-              <a:t>) וכן גם את ההופעות הלא מדויקות (</a:t>
-            </a:r>
-            <a:r>
-              <a:rPr lang="en-US" sz="2400" dirty="0" smtClean="0"/>
-              <a:t>inexact matching</a:t>
-            </a:r>
-            <a:r>
-              <a:rPr lang="he-IL" sz="2400" dirty="0" smtClean="0"/>
-              <a:t>), עד לגבול מסוים, מכיוון שנרצה להתחשב בעובדה שיש הבדל מסוים ב-</a:t>
-            </a:r>
-            <a:r>
-              <a:rPr lang="en-US" sz="2400" dirty="0" smtClean="0"/>
-              <a:t>DNA</a:t>
-            </a:r>
-            <a:r>
-              <a:rPr lang="he-IL" sz="2400" dirty="0" smtClean="0"/>
-              <a:t> של אנשים שונים וכן בעובדה של טעות מכונה שקראה לא נכון חלק ממקטע מסוים.</a:t>
-            </a:r>
+            <a:endParaRPr lang="he-IL" sz="2400" dirty="0" smtClean="0"/>
           </a:p>
           <a:p>
             <a:pPr>
@@ -7712,7 +9396,56 @@
             </a:pPr>
             <a:r>
               <a:rPr lang="he-IL" sz="2400" dirty="0" smtClean="0"/>
-              <a:t>אלגוריתם ה-</a:t>
+              <a:t>האלגוריתם </a:t>
+            </a:r>
+            <a:r>
+              <a:rPr lang="he-IL" sz="2400" dirty="0" smtClean="0"/>
+              <a:t>מוצא את ההופעות המדויקות (</a:t>
+            </a:r>
+            <a:r>
+              <a:rPr lang="en-US" sz="2400" dirty="0" smtClean="0"/>
+              <a:t>exact matching</a:t>
+            </a:r>
+            <a:r>
+              <a:rPr lang="he-IL" sz="2400" dirty="0" smtClean="0"/>
+              <a:t>) וכן גם את ההופעות הלא מדויקות (</a:t>
+            </a:r>
+            <a:r>
+              <a:rPr lang="en-US" sz="2400" dirty="0" smtClean="0"/>
+              <a:t>inexact matching</a:t>
+            </a:r>
+            <a:r>
+              <a:rPr lang="he-IL" sz="2400" dirty="0" smtClean="0"/>
+              <a:t>), עד </a:t>
+            </a:r>
+            <a:r>
+              <a:rPr lang="he-IL" sz="2400" dirty="0" smtClean="0"/>
+              <a:t>למרווח טעות מסוים.</a:t>
+            </a:r>
+          </a:p>
+          <a:p>
+            <a:pPr>
+              <a:lnSpc>
+                <a:spcPct val="80000"/>
+              </a:lnSpc>
+              <a:buNone/>
+            </a:pPr>
+            <a:endParaRPr lang="he-IL" sz="2400" dirty="0" smtClean="0"/>
+          </a:p>
+          <a:p>
+            <a:pPr>
+              <a:lnSpc>
+                <a:spcPct val="80000"/>
+              </a:lnSpc>
+              <a:buNone/>
+            </a:pPr>
+            <a:r>
+              <a:rPr lang="he-IL" sz="2400" dirty="0" smtClean="0"/>
+              <a:t>אלגוריתם </a:t>
+            </a:r>
+            <a:r>
+              <a:rPr lang="he-IL" sz="2400" dirty="0" smtClean="0"/>
+              <a:t>ה-</a:t>
             </a:r>
             <a:r>
               <a:rPr lang="en-US" sz="2400" dirty="0" smtClean="0"/>
@@ -7735,6 +9468,19 @@
               <a:rPr lang="en-US" sz="2400" dirty="0" smtClean="0"/>
               <a:t>Index</a:t>
             </a:r>
+            <a:r>
+              <a:rPr lang="he-IL" sz="2400" dirty="0" smtClean="0"/>
+              <a:t> – שלב מקדים </a:t>
+            </a:r>
+            <a:r>
+              <a:rPr lang="en-US" sz="2400" dirty="0" smtClean="0"/>
+              <a:t>pre-processing</a:t>
+            </a:r>
+            <a:r>
+              <a:rPr lang="he-IL" sz="2400" dirty="0" smtClean="0"/>
+              <a:t>.</a:t>
+            </a:r>
+            <a:endParaRPr lang="en-US" sz="2400" dirty="0" smtClean="0"/>
           </a:p>
           <a:p>
             <a:pPr marL="457200" indent="-457200">
@@ -7748,6 +9494,11 @@
               <a:rPr lang="en-US" sz="2400" dirty="0" smtClean="0"/>
               <a:t>Alignment</a:t>
             </a:r>
+            <a:r>
+              <a:rPr lang="he-IL" sz="2400" dirty="0" smtClean="0"/>
+              <a:t> – חיפוש המאפשר טעויות.</a:t>
+            </a:r>
+            <a:endParaRPr lang="en-US" sz="2400" dirty="0" smtClean="0"/>
           </a:p>
           <a:p>
             <a:pPr marL="457200" indent="-457200">
@@ -7759,7 +9510,15 @@
             </a:pPr>
             <a:r>
               <a:rPr lang="en-US" sz="2400" dirty="0" smtClean="0"/>
-              <a:t>Pair end mapping</a:t>
+              <a:t>Pair end </a:t>
+            </a:r>
+            <a:r>
+              <a:rPr lang="en-US" sz="2400" dirty="0" smtClean="0"/>
+              <a:t>mapping</a:t>
+            </a:r>
+            <a:r>
+              <a:rPr lang="he-IL" sz="2400" dirty="0" smtClean="0"/>
+              <a:t> – בחירת מיקום טוב ביותר.</a:t>
             </a:r>
             <a:endParaRPr lang="he-IL" sz="2400" dirty="0" smtClean="0"/>
           </a:p>
@@ -7770,11 +9529,28 @@
               </a:lnSpc>
               <a:buNone/>
             </a:pPr>
-            <a:r>
-              <a:rPr lang="he-IL" sz="2400" dirty="0" smtClean="0"/>
-              <a:t>נסביר את תפקידו של כל חלק כעת.</a:t>
-            </a:r>
-            <a:endParaRPr lang="en-US" sz="2400" dirty="0" smtClean="0"/>
+            <a:endParaRPr lang="he-IL" sz="2400" dirty="0"/>
+          </a:p>
+          <a:p>
+            <a:pPr marL="457200" indent="-457200">
+              <a:lnSpc>
+                <a:spcPct val="80000"/>
+              </a:lnSpc>
+              <a:buNone/>
+            </a:pPr>
+            <a:r>
+              <a:rPr lang="he-IL" sz="2400" dirty="0" smtClean="0"/>
+              <a:t>האלגוריתם יעיל במיוחד מכיוון שלא עוברים על מחרוזת ההתייחסות עבור כל אחת ממחרוזות הדגימות אלא עוברים עליו פעם אחת בלבד ועושים </a:t>
+            </a:r>
+            <a:r>
+              <a:rPr lang="en-US" sz="2400" dirty="0" smtClean="0"/>
+              <a:t>pre-processing</a:t>
+            </a:r>
+            <a:r>
+              <a:rPr lang="he-IL" sz="2400" dirty="0" smtClean="0"/>
+              <a:t> שישמש אותנו בשלב החיפוש.</a:t>
+            </a:r>
+            <a:endParaRPr lang="he-IL" sz="2400" dirty="0" smtClean="0"/>
           </a:p>
         </p:txBody>
       </p:sp>
@@ -8072,7 +9848,7 @@
         </p:spPr>
         <p:txBody>
           <a:bodyPr>
-            <a:normAutofit/>
+            <a:normAutofit lnSpcReduction="10000"/>
           </a:bodyPr>
           <a:lstStyle/>
           <a:p>
@@ -8082,6 +9858,258 @@
               </a:lnSpc>
               <a:buNone/>
             </a:pPr>
+            <a:r>
+              <a:rPr lang="he-IL" sz="2400" dirty="0" smtClean="0"/>
+              <a:t>בשלב זה מתבצעת עבודת </a:t>
+            </a:r>
+            <a:r>
+              <a:rPr lang="en-US" sz="2400" dirty="0" smtClean="0"/>
+              <a:t>pre-processing</a:t>
+            </a:r>
+            <a:r>
+              <a:rPr lang="he-IL" sz="2400" dirty="0" smtClean="0"/>
+              <a:t>, </a:t>
+            </a:r>
+            <a:r>
+              <a:rPr lang="he-IL" sz="2400" dirty="0" smtClean="0"/>
+              <a:t>כלומר חישוב מוקדם של נתונים שישמשו אותנו בשלבים הבאים. </a:t>
+            </a:r>
+            <a:endParaRPr lang="he-IL" sz="2400" dirty="0" smtClean="0"/>
+          </a:p>
+          <a:p>
+            <a:pPr>
+              <a:lnSpc>
+                <a:spcPct val="80000"/>
+              </a:lnSpc>
+              <a:buNone/>
+            </a:pPr>
+            <a:endParaRPr lang="he-IL" sz="2400" dirty="0" smtClean="0"/>
+          </a:p>
+          <a:p>
+            <a:pPr>
+              <a:lnSpc>
+                <a:spcPct val="80000"/>
+              </a:lnSpc>
+              <a:buNone/>
+            </a:pPr>
+            <a:r>
+              <a:rPr lang="he-IL" sz="2400" dirty="0" smtClean="0"/>
+              <a:t>שלב </a:t>
+            </a:r>
+            <a:r>
+              <a:rPr lang="he-IL" sz="2400" dirty="0" smtClean="0"/>
+              <a:t>זה מורכב מחישוב </a:t>
+            </a:r>
+            <a:r>
+              <a:rPr lang="en-US" sz="2400" dirty="0" smtClean="0"/>
+              <a:t>burrows-wheeler </a:t>
+            </a:r>
+            <a:r>
+              <a:rPr lang="en-US" sz="2400" dirty="0" smtClean="0"/>
+              <a:t>transform</a:t>
+            </a:r>
+            <a:r>
+              <a:rPr lang="he-IL" sz="2400" dirty="0" smtClean="0"/>
+              <a:t> (</a:t>
+            </a:r>
+            <a:r>
+              <a:rPr lang="en-US" sz="2400" dirty="0" smtClean="0"/>
+              <a:t>BWT</a:t>
+            </a:r>
+            <a:r>
+              <a:rPr lang="he-IL" sz="2400" dirty="0" smtClean="0"/>
+              <a:t>) </a:t>
+            </a:r>
+            <a:r>
+              <a:rPr lang="he-IL" sz="2400" dirty="0" smtClean="0"/>
+              <a:t>וכן מחישוב שתי פונקציות המבוססות עליו</a:t>
+            </a:r>
+            <a:r>
+              <a:rPr lang="he-IL" sz="2400" dirty="0" smtClean="0"/>
+              <a:t>.</a:t>
+            </a:r>
+          </a:p>
+          <a:p>
+            <a:pPr>
+              <a:lnSpc>
+                <a:spcPct val="80000"/>
+              </a:lnSpc>
+              <a:buNone/>
+            </a:pPr>
+            <a:endParaRPr lang="he-IL" sz="2400" dirty="0"/>
+          </a:p>
+          <a:p>
+            <a:pPr>
+              <a:lnSpc>
+                <a:spcPct val="80000"/>
+              </a:lnSpc>
+              <a:buNone/>
+            </a:pPr>
+            <a:r>
+              <a:rPr lang="en-US" sz="2400" dirty="0" smtClean="0"/>
+              <a:t>BWT</a:t>
+            </a:r>
+            <a:r>
+              <a:rPr lang="he-IL" sz="2400" dirty="0" smtClean="0"/>
+              <a:t> מחושב על ידי יצירת כל </a:t>
+            </a:r>
+            <a:r>
+              <a:rPr lang="he-IL" sz="2400" dirty="0" err="1" smtClean="0"/>
+              <a:t>הסיפות</a:t>
+            </a:r>
+            <a:r>
+              <a:rPr lang="he-IL" sz="2400" dirty="0" smtClean="0"/>
+              <a:t> (</a:t>
+            </a:r>
+            <a:r>
+              <a:rPr lang="en-US" sz="2400" dirty="0" smtClean="0"/>
+              <a:t>suffix</a:t>
+            </a:r>
+            <a:r>
+              <a:rPr lang="he-IL" sz="2400" dirty="0" smtClean="0"/>
+              <a:t>) האפשריות של מחרוזת ההתייחסות ומיון שלהן בסדר לקסיקוגרפי במערך בשם </a:t>
+            </a:r>
+            <a:r>
+              <a:rPr lang="en-US" sz="2400" dirty="0" smtClean="0"/>
+              <a:t>suffix array</a:t>
+            </a:r>
+            <a:r>
+              <a:rPr lang="he-IL" sz="2400" dirty="0" smtClean="0"/>
+              <a:t>, בסיום התהליך נקבל את מערך </a:t>
+            </a:r>
+            <a:r>
+              <a:rPr lang="en-US" sz="2400" dirty="0" smtClean="0"/>
+              <a:t>S</a:t>
+            </a:r>
+            <a:r>
+              <a:rPr lang="he-IL" sz="2400" dirty="0" smtClean="0"/>
+              <a:t> (המחזיק במיקום ה-</a:t>
+            </a:r>
+            <a:r>
+              <a:rPr lang="en-US" sz="2400" dirty="0" err="1" smtClean="0"/>
+              <a:t>i</a:t>
+            </a:r>
+            <a:r>
+              <a:rPr lang="he-IL" sz="2400" dirty="0" smtClean="0"/>
+              <a:t> את מספר אותיות שעברו לסוף במחרוזת שמיקומה לאחר המיון הוא </a:t>
+            </a:r>
+            <a:r>
+              <a:rPr lang="en-US" sz="2400" dirty="0" err="1" smtClean="0"/>
+              <a:t>i</a:t>
+            </a:r>
+            <a:r>
+              <a:rPr lang="he-IL" sz="2400" dirty="0" smtClean="0"/>
+              <a:t>) ומחרוזת </a:t>
+            </a:r>
+            <a:r>
+              <a:rPr lang="en-US" sz="2400" dirty="0" smtClean="0"/>
+              <a:t>B</a:t>
+            </a:r>
+            <a:r>
+              <a:rPr lang="he-IL" sz="2400" dirty="0" smtClean="0"/>
+              <a:t> שמחזיקה את האות האחרונה של כל </a:t>
+            </a:r>
+            <a:r>
+              <a:rPr lang="he-IL" sz="2400" dirty="0" err="1" smtClean="0"/>
+              <a:t>סיפה</a:t>
+            </a:r>
+            <a:r>
+              <a:rPr lang="he-IL" sz="2400" dirty="0" smtClean="0"/>
+              <a:t> לפי סדר המיון. </a:t>
+            </a:r>
+          </a:p>
+          <a:p>
+            <a:pPr>
+              <a:lnSpc>
+                <a:spcPct val="80000"/>
+              </a:lnSpc>
+              <a:buNone/>
+            </a:pPr>
+            <a:endParaRPr lang="he-IL" sz="2400" dirty="0" smtClean="0"/>
+          </a:p>
+          <a:p>
+            <a:pPr>
+              <a:lnSpc>
+                <a:spcPct val="80000"/>
+              </a:lnSpc>
+              <a:buNone/>
+            </a:pPr>
+            <a:r>
+              <a:rPr lang="he-IL" sz="2400" dirty="0" smtClean="0"/>
+              <a:t>לבסוף מחשבים את</a:t>
+            </a:r>
+            <a:r>
+              <a:rPr lang="he-IL" sz="2400" dirty="0" smtClean="0"/>
+              <a:t> </a:t>
+            </a:r>
+            <a:r>
+              <a:rPr lang="he-IL" sz="2400" dirty="0" err="1" smtClean="0"/>
+              <a:t>הפונקצייה</a:t>
+            </a:r>
+            <a:r>
+              <a:rPr lang="he-IL" sz="2400" dirty="0" smtClean="0"/>
+              <a:t> </a:t>
+            </a:r>
+            <a:r>
+              <a:rPr lang="en-US" sz="2400" dirty="0" smtClean="0"/>
+              <a:t>C</a:t>
+            </a:r>
+            <a:r>
+              <a:rPr lang="he-IL" sz="2400" dirty="0" smtClean="0"/>
+              <a:t> שמחזירה </a:t>
+            </a:r>
+            <a:r>
+              <a:rPr lang="he-IL" sz="2400" dirty="0" smtClean="0"/>
+              <a:t>את</a:t>
+            </a:r>
+            <a:r>
+              <a:rPr lang="he-IL" sz="2400" dirty="0" smtClean="0"/>
+              <a:t> </a:t>
+            </a:r>
+            <a:r>
+              <a:rPr lang="he-IL" sz="2400" dirty="0" smtClean="0"/>
+              <a:t>מספר האותיות שקטנות לקסיקוגראפית מתו מסוים במחרוזת ההתייחסות וכן חישוב פונקציית </a:t>
+            </a:r>
+            <a:r>
+              <a:rPr lang="en-US" sz="2400" dirty="0" smtClean="0"/>
+              <a:t>O</a:t>
+            </a:r>
+            <a:r>
+              <a:rPr lang="he-IL" sz="2400" dirty="0" smtClean="0"/>
+              <a:t> שמחזירה כמה פעמים התו </a:t>
+            </a:r>
+            <a:r>
+              <a:rPr lang="en-US" sz="2400" dirty="0" smtClean="0"/>
+              <a:t>a</a:t>
+            </a:r>
+            <a:r>
+              <a:rPr lang="he-IL" sz="2400" dirty="0" smtClean="0"/>
+              <a:t> הופיעה עד המיקום </a:t>
+            </a:r>
+            <a:r>
+              <a:rPr lang="he-IL" sz="2400" dirty="0" smtClean="0"/>
+              <a:t>ה-</a:t>
+            </a:r>
+            <a:r>
+              <a:rPr lang="en-US" sz="2400" dirty="0" err="1" smtClean="0"/>
+              <a:t>i</a:t>
+            </a:r>
+            <a:r>
+              <a:rPr lang="he-IL" sz="2400" dirty="0" smtClean="0"/>
+              <a:t> </a:t>
+            </a:r>
+            <a:r>
+              <a:rPr lang="he-IL" sz="2400" dirty="0" smtClean="0"/>
+              <a:t>במחרוזת </a:t>
+            </a:r>
+            <a:r>
+              <a:rPr lang="en-US" sz="2400" dirty="0" smtClean="0"/>
+              <a:t>B</a:t>
+            </a:r>
+            <a:r>
+              <a:rPr lang="he-IL" sz="2400" dirty="0" smtClean="0"/>
+              <a:t>.</a:t>
+            </a:r>
             <a:endParaRPr lang="he-IL" sz="2400" dirty="0"/>
           </a:p>
         </p:txBody>
@@ -8362,42 +10390,1031 @@
           </a:p>
         </p:txBody>
       </p:sp>
-      <p:sp>
-        <p:nvSpPr>
-          <p:cNvPr id="3" name="מציין מיקום תוכן 2"/>
-          <p:cNvSpPr>
-            <a:spLocks noGrp="1"/>
-          </p:cNvSpPr>
-          <p:nvPr>
-            <p:ph idx="1"/>
-          </p:nvPr>
-        </p:nvSpPr>
-        <p:spPr>
-          <a:xfrm>
-            <a:off x="539552" y="1340768"/>
-            <a:ext cx="8229600" cy="4925144"/>
-          </a:xfrm>
-        </p:spPr>
-        <p:txBody>
-          <a:bodyPr>
-            <a:normAutofit/>
-          </a:bodyPr>
-          <a:lstStyle/>
-          <a:p>
-            <a:pPr>
-              <a:lnSpc>
-                <a:spcPct val="80000"/>
-              </a:lnSpc>
-              <a:buNone/>
-            </a:pPr>
-            <a:r>
-              <a:rPr lang="he-IL" sz="2400" dirty="0" smtClean="0"/>
-              <a:t>עבור מחרוזת נתונה (בפעולה האמיתית המחרוזת הינה מחרוזת ההתייחסות) </a:t>
-            </a:r>
-            <a:endParaRPr lang="he-IL" sz="2400" dirty="0"/>
-          </a:p>
-        </p:txBody>
-      </p:sp>
+      <mc:AlternateContent xmlns:mc="http://schemas.openxmlformats.org/markup-compatibility/2006">
+        <mc:Choice xmlns:a14="http://schemas.microsoft.com/office/drawing/2010/main" Requires="a14">
+          <p:sp>
+            <p:nvSpPr>
+              <p:cNvPr id="3" name="מציין מיקום תוכן 2"/>
+              <p:cNvSpPr>
+                <a:spLocks noGrp="1"/>
+              </p:cNvSpPr>
+              <p:nvPr>
+                <p:ph idx="1"/>
+              </p:nvPr>
+            </p:nvSpPr>
+            <p:spPr>
+              <a:xfrm>
+                <a:off x="539552" y="1340768"/>
+                <a:ext cx="8229600" cy="4925144"/>
+              </a:xfrm>
+            </p:spPr>
+            <p:txBody>
+              <a:bodyPr>
+                <a:normAutofit fontScale="92500"/>
+              </a:bodyPr>
+              <a:lstStyle/>
+              <a:p>
+                <a:pPr>
+                  <a:lnSpc>
+                    <a:spcPct val="80000"/>
+                  </a:lnSpc>
+                  <a:buNone/>
+                </a:pPr>
+                <a:r>
+                  <a:rPr lang="he-IL" sz="2400" dirty="0" smtClean="0"/>
+                  <a:t>עבור המחרוזת </a:t>
+                </a:r>
+                <a:r>
+                  <a:rPr lang="en-US" sz="2400" dirty="0" smtClean="0"/>
+                  <a:t>X=“googol”</a:t>
+                </a:r>
+                <a:r>
+                  <a:rPr lang="he-IL" sz="2400" dirty="0" smtClean="0"/>
+                  <a:t> נייצר את ה-</a:t>
+                </a:r>
+                <a:r>
+                  <a:rPr lang="en-US" sz="2400" dirty="0" smtClean="0"/>
+                  <a:t>SA</a:t>
+                </a:r>
+                <a:r>
+                  <a:rPr lang="he-IL" sz="2400" dirty="0" smtClean="0"/>
+                  <a:t>, את </a:t>
+                </a:r>
+                <a:r>
+                  <a:rPr lang="en-US" sz="2400" dirty="0" smtClean="0"/>
+                  <a:t>B</a:t>
+                </a:r>
+                <a:r>
+                  <a:rPr lang="he-IL" sz="2400" dirty="0" smtClean="0"/>
+                  <a:t> וכן את הפונקציות </a:t>
+                </a:r>
+                <a:r>
+                  <a:rPr lang="en-US" sz="2400" dirty="0" smtClean="0"/>
+                  <a:t>C</a:t>
+                </a:r>
+                <a:r>
+                  <a:rPr lang="he-IL" sz="2400" dirty="0" smtClean="0"/>
+                  <a:t> ו-</a:t>
+                </a:r>
+                <a:r>
+                  <a:rPr lang="en-US" sz="2400" dirty="0" smtClean="0"/>
+                  <a:t>O</a:t>
+                </a:r>
+                <a:r>
+                  <a:rPr lang="he-IL" sz="2400" dirty="0" smtClean="0"/>
+                  <a:t>.</a:t>
+                </a:r>
+              </a:p>
+              <a:p>
+                <a:pPr algn="l" rtl="0">
+                  <a:lnSpc>
+                    <a:spcPct val="80000"/>
+                  </a:lnSpc>
+                  <a:buNone/>
+                </a:pPr>
+                <a:endParaRPr lang="he-IL" sz="2400" dirty="0" smtClean="0"/>
+              </a:p>
+              <a:p>
+                <a:pPr algn="l" rtl="0">
+                  <a:lnSpc>
+                    <a:spcPct val="80000"/>
+                  </a:lnSpc>
+                  <a:buNone/>
+                </a:pPr>
+                <a:r>
+                  <a:rPr lang="en-US" sz="1400" dirty="0" smtClean="0"/>
+                  <a:t>							</a:t>
+                </a:r>
+                <a14:m>
+                  <m:oMath xmlns:m="http://schemas.openxmlformats.org/officeDocument/2006/math">
+                    <m:r>
+                      <m:rPr>
+                        <m:sty m:val="p"/>
+                      </m:rPr>
+                      <a:rPr lang="en-US" sz="1400">
+                        <a:latin typeface="Cambria Math"/>
+                      </a:rPr>
+                      <m:t>C</m:t>
+                    </m:r>
+                    <m:r>
+                      <a:rPr lang="en-US" sz="1400">
+                        <a:latin typeface="Cambria Math"/>
+                      </a:rPr>
+                      <m:t>(</m:t>
+                    </m:r>
+                    <m:r>
+                      <m:rPr>
+                        <m:sty m:val="p"/>
+                      </m:rPr>
+                      <a:rPr lang="en-US" sz="1400">
+                        <a:latin typeface="Cambria Math"/>
+                      </a:rPr>
+                      <m:t>a</m:t>
+                    </m:r>
+                    <m:r>
+                      <a:rPr lang="en-US" sz="1400">
+                        <a:latin typeface="Cambria Math"/>
+                      </a:rPr>
+                      <m:t>)=</m:t>
+                    </m:r>
+                    <m:d>
+                      <m:dPr>
+                        <m:begChr m:val="{"/>
+                        <m:endChr m:val=""/>
+                        <m:ctrlPr>
+                          <a:rPr lang="en-US" sz="1400" i="1">
+                            <a:latin typeface="Cambria Math" panose="02040503050406030204" pitchFamily="18" charset="0"/>
+                          </a:rPr>
+                        </m:ctrlPr>
+                      </m:dPr>
+                      <m:e>
+                        <m:eqArr>
+                          <m:eqArrPr>
+                            <m:ctrlPr>
+                              <a:rPr lang="en-US" sz="1400" i="1">
+                                <a:latin typeface="Cambria Math" panose="02040503050406030204" pitchFamily="18" charset="0"/>
+                              </a:rPr>
+                            </m:ctrlPr>
+                          </m:eqArrPr>
+                          <m:e>
+                            <m:r>
+                              <a:rPr lang="en-US" sz="1400">
+                                <a:latin typeface="Cambria Math"/>
+                              </a:rPr>
+                              <m:t>0</m:t>
+                            </m:r>
+                            <m:r>
+                              <a:rPr lang="en-US" sz="1400">
+                                <a:latin typeface="Cambria Math"/>
+                              </a:rPr>
+                              <m:t>,  &amp;</m:t>
+                            </m:r>
+                            <m:r>
+                              <m:rPr>
+                                <m:sty m:val="p"/>
+                              </m:rPr>
+                              <a:rPr lang="en-US" sz="1400">
+                                <a:latin typeface="Cambria Math"/>
+                              </a:rPr>
+                              <m:t>a</m:t>
+                            </m:r>
+                            <m:r>
+                              <a:rPr lang="en-US" sz="1400">
+                                <a:latin typeface="Cambria Math"/>
+                              </a:rPr>
+                              <m:t>=</m:t>
+                            </m:r>
+                            <m:r>
+                              <a:rPr lang="en-US" sz="1400" i="1">
+                                <a:latin typeface="Cambria Math"/>
+                              </a:rPr>
+                              <m:t>′</m:t>
+                            </m:r>
+                            <m:r>
+                              <m:rPr>
+                                <m:sty m:val="p"/>
+                              </m:rPr>
+                              <a:rPr lang="en-US" sz="1400">
+                                <a:latin typeface="Cambria Math"/>
+                              </a:rPr>
+                              <m:t>g</m:t>
+                            </m:r>
+                            <m:r>
+                              <a:rPr lang="en-US" sz="1400" i="1">
+                                <a:latin typeface="Cambria Math"/>
+                              </a:rPr>
+                              <m:t>′</m:t>
+                            </m:r>
+                          </m:e>
+                          <m:e>
+                            <m:r>
+                              <a:rPr lang="en-US" sz="1400">
+                                <a:latin typeface="Cambria Math"/>
+                              </a:rPr>
+                              <m:t>2</m:t>
+                            </m:r>
+                            <m:r>
+                              <a:rPr lang="en-US" sz="1400">
+                                <a:latin typeface="Cambria Math"/>
+                              </a:rPr>
+                              <m:t>,  &amp;</m:t>
+                            </m:r>
+                            <m:r>
+                              <m:rPr>
+                                <m:sty m:val="p"/>
+                              </m:rPr>
+                              <a:rPr lang="en-US" sz="1400">
+                                <a:latin typeface="Cambria Math"/>
+                              </a:rPr>
+                              <m:t>a</m:t>
+                            </m:r>
+                            <m:r>
+                              <a:rPr lang="en-US" sz="1400">
+                                <a:latin typeface="Cambria Math"/>
+                              </a:rPr>
+                              <m:t>=</m:t>
+                            </m:r>
+                            <m:r>
+                              <a:rPr lang="en-US" sz="1400" i="1">
+                                <a:latin typeface="Cambria Math"/>
+                              </a:rPr>
+                              <m:t>′</m:t>
+                            </m:r>
+                            <m:r>
+                              <m:rPr>
+                                <m:sty m:val="p"/>
+                              </m:rPr>
+                              <a:rPr lang="en-US" sz="1400">
+                                <a:latin typeface="Cambria Math"/>
+                              </a:rPr>
+                              <m:t>l</m:t>
+                            </m:r>
+                            <m:r>
+                              <a:rPr lang="en-US" sz="1400" i="1">
+                                <a:latin typeface="Cambria Math"/>
+                              </a:rPr>
+                              <m:t>′</m:t>
+                            </m:r>
+                          </m:e>
+                          <m:e>
+                            <m:r>
+                              <a:rPr lang="en-US" sz="1400">
+                                <a:latin typeface="Cambria Math"/>
+                              </a:rPr>
+                              <m:t>4</m:t>
+                            </m:r>
+                            <m:r>
+                              <a:rPr lang="en-US" sz="1400">
+                                <a:latin typeface="Cambria Math"/>
+                              </a:rPr>
+                              <m:t>,  &amp;</m:t>
+                            </m:r>
+                            <m:r>
+                              <m:rPr>
+                                <m:sty m:val="p"/>
+                              </m:rPr>
+                              <a:rPr lang="en-US" sz="1400">
+                                <a:latin typeface="Cambria Math"/>
+                              </a:rPr>
+                              <m:t>a</m:t>
+                            </m:r>
+                            <m:r>
+                              <a:rPr lang="en-US" sz="1400">
+                                <a:latin typeface="Cambria Math"/>
+                              </a:rPr>
+                              <m:t>=</m:t>
+                            </m:r>
+                            <m:r>
+                              <a:rPr lang="en-US" sz="1400" i="1">
+                                <a:latin typeface="Cambria Math"/>
+                              </a:rPr>
+                              <m:t>′</m:t>
+                            </m:r>
+                            <m:r>
+                              <m:rPr>
+                                <m:sty m:val="p"/>
+                              </m:rPr>
+                              <a:rPr lang="en-US" sz="1400">
+                                <a:latin typeface="Cambria Math"/>
+                              </a:rPr>
+                              <m:t>o</m:t>
+                            </m:r>
+                            <m:r>
+                              <a:rPr lang="en-US" sz="1400" i="1">
+                                <a:latin typeface="Cambria Math"/>
+                              </a:rPr>
+                              <m:t>′</m:t>
+                            </m:r>
+                          </m:e>
+                        </m:eqArr>
+                      </m:e>
+                    </m:d>
+                  </m:oMath>
+                </a14:m>
+                <a:endParaRPr lang="he-IL" sz="1400" dirty="0" smtClean="0"/>
+              </a:p>
+              <a:p>
+                <a:pPr>
+                  <a:lnSpc>
+                    <a:spcPct val="80000"/>
+                  </a:lnSpc>
+                  <a:buNone/>
+                </a:pPr>
+                <a:endParaRPr lang="he-IL" sz="1400" dirty="0" smtClean="0"/>
+              </a:p>
+              <a:p>
+                <a:pPr algn="l" rtl="0">
+                  <a:lnSpc>
+                    <a:spcPct val="80000"/>
+                  </a:lnSpc>
+                  <a:buNone/>
+                </a:pPr>
+                <a:endParaRPr lang="en-US" sz="2400" dirty="0" smtClean="0"/>
+              </a:p>
+              <a:p>
+                <a:pPr algn="l" rtl="0">
+                  <a:lnSpc>
+                    <a:spcPct val="80000"/>
+                  </a:lnSpc>
+                  <a:buNone/>
+                </a:pPr>
+                <a:r>
+                  <a:rPr lang="en-US" sz="1400" dirty="0" smtClean="0"/>
+                  <a:t>							</a:t>
+                </a:r>
+                <a14:m>
+                  <m:oMath xmlns:m="http://schemas.openxmlformats.org/officeDocument/2006/math">
+                    <m:r>
+                      <m:rPr>
+                        <m:sty m:val="p"/>
+                      </m:rPr>
+                      <a:rPr lang="en-US" sz="1400">
+                        <a:latin typeface="Cambria Math"/>
+                      </a:rPr>
+                      <m:t>O</m:t>
+                    </m:r>
+                    <m:r>
+                      <a:rPr lang="en-US" sz="1400">
+                        <a:latin typeface="Cambria Math"/>
+                      </a:rPr>
+                      <m:t>(</m:t>
+                    </m:r>
+                    <m:r>
+                      <a:rPr lang="en-US" sz="1400" i="1">
+                        <a:latin typeface="Cambria Math"/>
+                      </a:rPr>
+                      <m:t>′</m:t>
+                    </m:r>
+                    <m:r>
+                      <m:rPr>
+                        <m:sty m:val="p"/>
+                      </m:rPr>
+                      <a:rPr lang="en-US" sz="1400">
+                        <a:latin typeface="Cambria Math"/>
+                      </a:rPr>
+                      <m:t>g</m:t>
+                    </m:r>
+                    <m:r>
+                      <a:rPr lang="en-US" sz="1400" i="1">
+                        <a:latin typeface="Cambria Math"/>
+                      </a:rPr>
+                      <m:t>′</m:t>
+                    </m:r>
+                    <m:r>
+                      <a:rPr lang="en-US" sz="1400">
+                        <a:latin typeface="Cambria Math"/>
+                      </a:rPr>
+                      <m:t>,</m:t>
+                    </m:r>
+                    <m:r>
+                      <m:rPr>
+                        <m:sty m:val="p"/>
+                      </m:rPr>
+                      <a:rPr lang="en-US" sz="1400">
+                        <a:latin typeface="Cambria Math"/>
+                      </a:rPr>
+                      <m:t>i</m:t>
+                    </m:r>
+                    <m:r>
+                      <a:rPr lang="en-US" sz="1400">
+                        <a:latin typeface="Cambria Math"/>
+                      </a:rPr>
+                      <m:t>)=</m:t>
+                    </m:r>
+                    <m:d>
+                      <m:dPr>
+                        <m:begChr m:val="{"/>
+                        <m:endChr m:val=""/>
+                        <m:ctrlPr>
+                          <a:rPr lang="en-US" sz="1400" i="1">
+                            <a:latin typeface="Cambria Math" panose="02040503050406030204" pitchFamily="18" charset="0"/>
+                          </a:rPr>
+                        </m:ctrlPr>
+                      </m:dPr>
+                      <m:e>
+                        <m:r>
+                          <a:rPr lang="en-US" sz="1400">
+                            <a:latin typeface="Cambria Math"/>
+                          </a:rPr>
+                          <m:t>1</m:t>
+                        </m:r>
+                        <m:r>
+                          <a:rPr lang="en-US" sz="1400">
+                            <a:latin typeface="Cambria Math"/>
+                          </a:rPr>
+                          <m:t>,  </m:t>
+                        </m:r>
+                        <m:r>
+                          <m:rPr>
+                            <m:sty m:val="p"/>
+                          </m:rPr>
+                          <a:rPr lang="en-US" sz="1400">
+                            <a:latin typeface="Cambria Math"/>
+                          </a:rPr>
+                          <m:t>i</m:t>
+                        </m:r>
+                        <m:r>
+                          <a:rPr lang="en-US" sz="1400">
+                            <a:latin typeface="Cambria Math"/>
+                          </a:rPr>
+                          <m:t>≤</m:t>
+                        </m:r>
+                        <m:r>
+                          <a:rPr lang="en-US" sz="1400">
+                            <a:latin typeface="Cambria Math"/>
+                          </a:rPr>
+                          <m:t>6</m:t>
+                        </m:r>
+                      </m:e>
+                    </m:d>
+                  </m:oMath>
+                </a14:m>
+                <a:endParaRPr lang="he-IL" sz="1400" dirty="0" smtClean="0"/>
+              </a:p>
+              <a:p>
+                <a:pPr algn="l" rtl="0">
+                  <a:lnSpc>
+                    <a:spcPct val="80000"/>
+                  </a:lnSpc>
+                  <a:buNone/>
+                </a:pPr>
+                <a:endParaRPr lang="he-IL" sz="2400" dirty="0" smtClean="0"/>
+              </a:p>
+              <a:p>
+                <a:pPr algn="l" rtl="0">
+                  <a:lnSpc>
+                    <a:spcPct val="80000"/>
+                  </a:lnSpc>
+                  <a:buNone/>
+                </a:pPr>
+                <a:r>
+                  <a:rPr lang="en-US" sz="1400" dirty="0" smtClean="0"/>
+                  <a:t>							</a:t>
+                </a:r>
+                <a14:m>
+                  <m:oMath xmlns:m="http://schemas.openxmlformats.org/officeDocument/2006/math">
+                    <m:r>
+                      <m:rPr>
+                        <m:sty m:val="p"/>
+                      </m:rPr>
+                      <a:rPr lang="en-US" sz="1400">
+                        <a:latin typeface="Cambria Math"/>
+                      </a:rPr>
+                      <m:t>O</m:t>
+                    </m:r>
+                    <m:r>
+                      <a:rPr lang="en-US" sz="1400">
+                        <a:latin typeface="Cambria Math"/>
+                      </a:rPr>
+                      <m:t>(</m:t>
+                    </m:r>
+                    <m:r>
+                      <a:rPr lang="en-US" sz="1400" i="1">
+                        <a:latin typeface="Cambria Math"/>
+                      </a:rPr>
+                      <m:t>′</m:t>
+                    </m:r>
+                    <m:r>
+                      <m:rPr>
+                        <m:sty m:val="p"/>
+                      </m:rPr>
+                      <a:rPr lang="en-US" sz="1400">
+                        <a:latin typeface="Cambria Math"/>
+                      </a:rPr>
+                      <m:t>l</m:t>
+                    </m:r>
+                    <m:r>
+                      <a:rPr lang="en-US" sz="1400" i="1">
+                        <a:latin typeface="Cambria Math"/>
+                      </a:rPr>
+                      <m:t>′</m:t>
+                    </m:r>
+                    <m:r>
+                      <a:rPr lang="en-US" sz="1400">
+                        <a:latin typeface="Cambria Math"/>
+                      </a:rPr>
+                      <m:t>,</m:t>
+                    </m:r>
+                    <m:r>
+                      <m:rPr>
+                        <m:sty m:val="p"/>
+                      </m:rPr>
+                      <a:rPr lang="en-US" sz="1400">
+                        <a:latin typeface="Cambria Math"/>
+                      </a:rPr>
+                      <m:t>i</m:t>
+                    </m:r>
+                    <m:r>
+                      <a:rPr lang="en-US" sz="1400">
+                        <a:latin typeface="Cambria Math"/>
+                      </a:rPr>
+                      <m:t>)=</m:t>
+                    </m:r>
+                    <m:d>
+                      <m:dPr>
+                        <m:begChr m:val="{"/>
+                        <m:endChr m:val=""/>
+                        <m:ctrlPr>
+                          <a:rPr lang="en-US" sz="1400" i="1">
+                            <a:latin typeface="Cambria Math" panose="02040503050406030204" pitchFamily="18" charset="0"/>
+                          </a:rPr>
+                        </m:ctrlPr>
+                      </m:dPr>
+                      <m:e>
+                        <m:eqArr>
+                          <m:eqArrPr>
+                            <m:ctrlPr>
+                              <a:rPr lang="en-US" sz="1400" i="1">
+                                <a:latin typeface="Cambria Math" panose="02040503050406030204" pitchFamily="18" charset="0"/>
+                              </a:rPr>
+                            </m:ctrlPr>
+                          </m:eqArrPr>
+                          <m:e>
+                            <m:r>
+                              <a:rPr lang="en-US" sz="1400">
+                                <a:latin typeface="Cambria Math"/>
+                              </a:rPr>
+                              <m:t>0</m:t>
+                            </m:r>
+                            <m:r>
+                              <a:rPr lang="en-US" sz="1400">
+                                <a:latin typeface="Cambria Math"/>
+                              </a:rPr>
+                              <m:t>,  &amp;</m:t>
+                            </m:r>
+                            <m:r>
+                              <m:rPr>
+                                <m:sty m:val="p"/>
+                              </m:rPr>
+                              <a:rPr lang="en-US" sz="1400" b="0" i="0" smtClean="0">
+                                <a:latin typeface="Cambria Math" panose="02040503050406030204" pitchFamily="18" charset="0"/>
+                              </a:rPr>
+                              <m:t>i</m:t>
+                            </m:r>
+                            <m:r>
+                              <a:rPr lang="en-US" sz="1400">
+                                <a:latin typeface="Cambria Math"/>
+                              </a:rPr>
+                              <m:t>=</m:t>
+                            </m:r>
+                            <m:r>
+                              <a:rPr lang="en-US" sz="1400" b="0" i="1" smtClean="0">
+                                <a:latin typeface="Cambria Math" panose="02040503050406030204" pitchFamily="18" charset="0"/>
+                              </a:rPr>
+                              <m:t>0</m:t>
+                            </m:r>
+                          </m:e>
+                          <m:e>
+                            <m:r>
+                              <a:rPr lang="en-US" sz="1400" b="0" i="0" smtClean="0">
+                                <a:latin typeface="Cambria Math" panose="02040503050406030204" pitchFamily="18" charset="0"/>
+                              </a:rPr>
+                              <m:t>1</m:t>
+                            </m:r>
+                            <m:r>
+                              <a:rPr lang="en-US" sz="1400">
+                                <a:latin typeface="Cambria Math"/>
+                              </a:rPr>
+                              <m:t>,  &amp;</m:t>
+                            </m:r>
+                            <m:r>
+                              <m:rPr>
+                                <m:sty m:val="p"/>
+                              </m:rPr>
+                              <a:rPr lang="en-US" sz="1400" b="0" i="0" smtClean="0">
+                                <a:latin typeface="Cambria Math" panose="02040503050406030204" pitchFamily="18" charset="0"/>
+                              </a:rPr>
+                              <m:t>i</m:t>
+                            </m:r>
+                            <m:r>
+                              <a:rPr lang="en-US" sz="1400">
+                                <a:latin typeface="Cambria Math"/>
+                              </a:rPr>
+                              <m:t>=</m:t>
+                            </m:r>
+                            <m:r>
+                              <a:rPr lang="en-US" sz="1400" b="0" i="1" smtClean="0">
+                                <a:latin typeface="Cambria Math" panose="02040503050406030204" pitchFamily="18" charset="0"/>
+                              </a:rPr>
+                              <m:t>1</m:t>
+                            </m:r>
+                            <m:r>
+                              <a:rPr lang="en-US" sz="1400" b="0" i="1" smtClean="0">
+                                <a:latin typeface="Cambria Math" panose="02040503050406030204" pitchFamily="18" charset="0"/>
+                              </a:rPr>
+                              <m:t>,</m:t>
+                            </m:r>
+                            <m:r>
+                              <a:rPr lang="en-US" sz="1400" b="0" i="1" smtClean="0">
+                                <a:latin typeface="Cambria Math" panose="02040503050406030204" pitchFamily="18" charset="0"/>
+                              </a:rPr>
+                              <m:t>2</m:t>
+                            </m:r>
+                          </m:e>
+                          <m:e>
+                            <m:r>
+                              <a:rPr lang="en-US" sz="1400" b="0" i="0" smtClean="0">
+                                <a:latin typeface="Cambria Math" panose="02040503050406030204" pitchFamily="18" charset="0"/>
+                              </a:rPr>
+                              <m:t>2</m:t>
+                            </m:r>
+                            <m:r>
+                              <a:rPr lang="en-US" sz="1400">
+                                <a:latin typeface="Cambria Math"/>
+                              </a:rPr>
+                              <m:t>,  &amp;</m:t>
+                            </m:r>
+                            <m:r>
+                              <m:rPr>
+                                <m:sty m:val="p"/>
+                              </m:rPr>
+                              <a:rPr lang="en-US" sz="1400" b="0" i="0" smtClean="0">
+                                <a:latin typeface="Cambria Math" panose="02040503050406030204" pitchFamily="18" charset="0"/>
+                              </a:rPr>
+                              <m:t>i</m:t>
+                            </m:r>
+                            <m:r>
+                              <a:rPr lang="en-US" sz="1400">
+                                <a:latin typeface="Cambria Math"/>
+                              </a:rPr>
+                              <m:t>=</m:t>
+                            </m:r>
+                            <m:r>
+                              <a:rPr lang="en-US" sz="1400" b="0" i="1" smtClean="0">
+                                <a:latin typeface="Cambria Math" panose="02040503050406030204" pitchFamily="18" charset="0"/>
+                              </a:rPr>
+                              <m:t>3</m:t>
+                            </m:r>
+                          </m:e>
+                          <m:e>
+                            <m:r>
+                              <a:rPr lang="en-US" sz="1400" b="0" i="0" smtClean="0">
+                                <a:latin typeface="Cambria Math" panose="02040503050406030204" pitchFamily="18" charset="0"/>
+                              </a:rPr>
+                              <m:t>3</m:t>
+                            </m:r>
+                            <m:r>
+                              <a:rPr lang="en-US" sz="1400">
+                                <a:latin typeface="Cambria Math"/>
+                              </a:rPr>
+                              <m:t>,  &amp;</m:t>
+                            </m:r>
+                            <m:r>
+                              <m:rPr>
+                                <m:sty m:val="p"/>
+                              </m:rPr>
+                              <a:rPr lang="en-US" sz="1400" b="0" i="0" smtClean="0">
+                                <a:latin typeface="Cambria Math" panose="02040503050406030204" pitchFamily="18" charset="0"/>
+                              </a:rPr>
+                              <m:t>i</m:t>
+                            </m:r>
+                            <m:r>
+                              <a:rPr lang="en-US" sz="1400">
+                                <a:latin typeface="Cambria Math"/>
+                              </a:rPr>
+                              <m:t>=</m:t>
+                            </m:r>
+                            <m:r>
+                              <a:rPr lang="en-US" sz="1400" b="0" i="1" smtClean="0">
+                                <a:latin typeface="Cambria Math" panose="02040503050406030204" pitchFamily="18" charset="0"/>
+                              </a:rPr>
+                              <m:t>4</m:t>
+                            </m:r>
+                            <m:r>
+                              <a:rPr lang="en-US" sz="1400" b="0" i="1" smtClean="0">
+                                <a:latin typeface="Cambria Math" panose="02040503050406030204" pitchFamily="18" charset="0"/>
+                              </a:rPr>
+                              <m:t>,</m:t>
+                            </m:r>
+                            <m:r>
+                              <a:rPr lang="en-US" sz="1400" b="0" i="1" smtClean="0">
+                                <a:latin typeface="Cambria Math" panose="02040503050406030204" pitchFamily="18" charset="0"/>
+                              </a:rPr>
+                              <m:t>5</m:t>
+                            </m:r>
+                            <m:r>
+                              <a:rPr lang="en-US" sz="1400" b="0" i="1" smtClean="0">
+                                <a:latin typeface="Cambria Math" panose="02040503050406030204" pitchFamily="18" charset="0"/>
+                              </a:rPr>
+                              <m:t>,</m:t>
+                            </m:r>
+                            <m:r>
+                              <a:rPr lang="en-US" sz="1400" b="0" i="1" smtClean="0">
+                                <a:latin typeface="Cambria Math" panose="02040503050406030204" pitchFamily="18" charset="0"/>
+                              </a:rPr>
+                              <m:t>6</m:t>
+                            </m:r>
+                          </m:e>
+                        </m:eqArr>
+                      </m:e>
+                    </m:d>
+                  </m:oMath>
+                </a14:m>
+                <a:endParaRPr lang="he-IL" sz="1400" dirty="0" smtClean="0"/>
+              </a:p>
+              <a:p>
+                <a:pPr algn="l" rtl="0">
+                  <a:lnSpc>
+                    <a:spcPct val="80000"/>
+                  </a:lnSpc>
+                  <a:buNone/>
+                </a:pPr>
+                <a:endParaRPr lang="en-US" sz="2400" dirty="0" smtClean="0"/>
+              </a:p>
+              <a:p>
+                <a:pPr algn="l" rtl="0">
+                  <a:lnSpc>
+                    <a:spcPct val="80000"/>
+                  </a:lnSpc>
+                  <a:buNone/>
+                </a:pPr>
+                <a:r>
+                  <a:rPr lang="en-US" sz="1400" dirty="0" smtClean="0"/>
+                  <a:t>							</a:t>
+                </a:r>
+                <a14:m>
+                  <m:oMath xmlns:m="http://schemas.openxmlformats.org/officeDocument/2006/math">
+                    <m:r>
+                      <m:rPr>
+                        <m:sty m:val="p"/>
+                      </m:rPr>
+                      <a:rPr lang="en-US" sz="1400">
+                        <a:latin typeface="Cambria Math"/>
+                      </a:rPr>
+                      <m:t>O</m:t>
+                    </m:r>
+                    <m:r>
+                      <a:rPr lang="en-US" sz="1400">
+                        <a:latin typeface="Cambria Math"/>
+                      </a:rPr>
+                      <m:t>(</m:t>
+                    </m:r>
+                    <m:r>
+                      <a:rPr lang="en-US" sz="1400" i="1">
+                        <a:latin typeface="Cambria Math"/>
+                      </a:rPr>
+                      <m:t>′</m:t>
+                    </m:r>
+                    <m:r>
+                      <m:rPr>
+                        <m:sty m:val="p"/>
+                      </m:rPr>
+                      <a:rPr lang="en-US" sz="1400">
+                        <a:latin typeface="Cambria Math"/>
+                      </a:rPr>
+                      <m:t>o</m:t>
+                    </m:r>
+                    <m:r>
+                      <a:rPr lang="en-US" sz="1400" i="1">
+                        <a:latin typeface="Cambria Math"/>
+                      </a:rPr>
+                      <m:t>′</m:t>
+                    </m:r>
+                    <m:r>
+                      <a:rPr lang="en-US" sz="1400">
+                        <a:latin typeface="Cambria Math"/>
+                      </a:rPr>
+                      <m:t>,</m:t>
+                    </m:r>
+                    <m:r>
+                      <m:rPr>
+                        <m:sty m:val="p"/>
+                      </m:rPr>
+                      <a:rPr lang="en-US" sz="1400">
+                        <a:latin typeface="Cambria Math"/>
+                      </a:rPr>
+                      <m:t>i</m:t>
+                    </m:r>
+                    <m:r>
+                      <a:rPr lang="en-US" sz="1400">
+                        <a:latin typeface="Cambria Math"/>
+                      </a:rPr>
+                      <m:t>)=</m:t>
+                    </m:r>
+                    <m:d>
+                      <m:dPr>
+                        <m:begChr m:val="{"/>
+                        <m:endChr m:val=""/>
+                        <m:ctrlPr>
+                          <a:rPr lang="en-US" sz="1400" i="1">
+                            <a:latin typeface="Cambria Math" panose="02040503050406030204" pitchFamily="18" charset="0"/>
+                          </a:rPr>
+                        </m:ctrlPr>
+                      </m:dPr>
+                      <m:e>
+                        <m:eqArr>
+                          <m:eqArrPr>
+                            <m:ctrlPr>
+                              <a:rPr lang="en-US" sz="1400" i="1">
+                                <a:latin typeface="Cambria Math" panose="02040503050406030204" pitchFamily="18" charset="0"/>
+                              </a:rPr>
+                            </m:ctrlPr>
+                          </m:eqArrPr>
+                          <m:e>
+                            <m:r>
+                              <a:rPr lang="en-US" sz="1400">
+                                <a:latin typeface="Cambria Math"/>
+                              </a:rPr>
+                              <m:t>0</m:t>
+                            </m:r>
+                            <m:r>
+                              <a:rPr lang="en-US" sz="1400">
+                                <a:latin typeface="Cambria Math"/>
+                              </a:rPr>
+                              <m:t>,  </m:t>
+                            </m:r>
+                            <m:r>
+                              <m:rPr>
+                                <m:sty m:val="p"/>
+                              </m:rPr>
+                              <a:rPr lang="en-US" sz="1400">
+                                <a:latin typeface="Cambria Math"/>
+                              </a:rPr>
+                              <m:t>i</m:t>
+                            </m:r>
+                            <m:r>
+                              <a:rPr lang="en-US" sz="1400">
+                                <a:latin typeface="Cambria Math"/>
+                              </a:rPr>
+                              <m:t>≤</m:t>
+                            </m:r>
+                            <m:r>
+                              <a:rPr lang="en-US" sz="1400" i="1">
+                                <a:latin typeface="Cambria Math"/>
+                              </a:rPr>
+                              <m:t>4</m:t>
+                            </m:r>
+                          </m:e>
+                          <m:e>
+                            <m:r>
+                              <a:rPr lang="en-US" sz="1400">
+                                <a:latin typeface="Cambria Math"/>
+                              </a:rPr>
+                              <m:t>1</m:t>
+                            </m:r>
+                            <m:r>
+                              <a:rPr lang="en-US" sz="1400">
+                                <a:latin typeface="Cambria Math"/>
+                              </a:rPr>
+                              <m:t>,  &amp;</m:t>
+                            </m:r>
+                            <m:r>
+                              <m:rPr>
+                                <m:sty m:val="p"/>
+                              </m:rPr>
+                              <a:rPr lang="en-US" sz="1400">
+                                <a:latin typeface="Cambria Math"/>
+                              </a:rPr>
+                              <m:t>i</m:t>
+                            </m:r>
+                            <m:r>
+                              <a:rPr lang="en-US" sz="1400">
+                                <a:latin typeface="Cambria Math"/>
+                              </a:rPr>
+                              <m:t>=</m:t>
+                            </m:r>
+                            <m:r>
+                              <a:rPr lang="en-US" sz="1400">
+                                <a:latin typeface="Cambria Math"/>
+                              </a:rPr>
+                              <m:t>5</m:t>
+                            </m:r>
+                          </m:e>
+                          <m:e>
+                            <m:r>
+                              <a:rPr lang="en-US" sz="1400">
+                                <a:latin typeface="Cambria Math"/>
+                              </a:rPr>
+                              <m:t>2</m:t>
+                            </m:r>
+                            <m:r>
+                              <a:rPr lang="en-US" sz="1400">
+                                <a:latin typeface="Cambria Math"/>
+                              </a:rPr>
+                              <m:t>,  </m:t>
+                            </m:r>
+                            <m:r>
+                              <m:rPr>
+                                <m:sty m:val="p"/>
+                              </m:rPr>
+                              <a:rPr lang="en-US" sz="1400">
+                                <a:latin typeface="Cambria Math"/>
+                              </a:rPr>
+                              <m:t>i</m:t>
+                            </m:r>
+                            <m:r>
+                              <a:rPr lang="en-US" sz="1400">
+                                <a:latin typeface="Cambria Math"/>
+                              </a:rPr>
+                              <m:t>=</m:t>
+                            </m:r>
+                            <m:r>
+                              <a:rPr lang="en-US" sz="1400">
+                                <a:latin typeface="Cambria Math"/>
+                              </a:rPr>
+                              <m:t>6</m:t>
+                            </m:r>
+                          </m:e>
+                        </m:eqArr>
+                      </m:e>
+                    </m:d>
+                  </m:oMath>
+                </a14:m>
+                <a:endParaRPr lang="en-US" sz="1400" dirty="0" smtClean="0"/>
+              </a:p>
+              <a:p>
+                <a:pPr algn="l" rtl="0">
+                  <a:lnSpc>
+                    <a:spcPct val="80000"/>
+                  </a:lnSpc>
+                  <a:buNone/>
+                </a:pPr>
+                <a:endParaRPr lang="he-IL" sz="1400" dirty="0"/>
+              </a:p>
+              <a:p>
+                <a:pPr algn="ctr" rtl="0">
+                  <a:lnSpc>
+                    <a:spcPct val="80000"/>
+                  </a:lnSpc>
+                  <a:buNone/>
+                </a:pPr>
+                <a:r>
+                  <a:rPr lang="en-US" sz="2000" dirty="0" smtClean="0"/>
+                  <a:t>S=(</a:t>
+                </a:r>
+                <a:r>
+                  <a:rPr lang="en-US" sz="2000" dirty="0" smtClean="0"/>
+                  <a:t>6,3,0,5,2,4,1)</a:t>
+                </a:r>
+              </a:p>
+              <a:p>
+                <a:pPr algn="l" rtl="0">
+                  <a:lnSpc>
+                    <a:spcPct val="80000"/>
+                  </a:lnSpc>
+                  <a:buNone/>
+                </a:pPr>
+                <a:endParaRPr lang="en-US" sz="2400" dirty="0"/>
+              </a:p>
+              <a:p>
+                <a:pPr algn="l" rtl="0">
+                  <a:lnSpc>
+                    <a:spcPct val="80000"/>
+                  </a:lnSpc>
+                  <a:buNone/>
+                </a:pPr>
+                <a:endParaRPr lang="he-IL" sz="2400" dirty="0" smtClean="0"/>
+              </a:p>
+              <a:p>
+                <a:pPr>
+                  <a:lnSpc>
+                    <a:spcPct val="80000"/>
+                  </a:lnSpc>
+                  <a:buNone/>
+                </a:pPr>
+                <a:endParaRPr lang="he-IL" sz="2400" dirty="0"/>
+              </a:p>
+            </p:txBody>
+          </p:sp>
+        </mc:Choice>
+        <mc:Fallback>
+          <p:sp>
+            <p:nvSpPr>
+              <p:cNvPr id="3" name="מציין מיקום תוכן 2"/>
+              <p:cNvSpPr>
+                <a:spLocks noGrp="1" noRot="1" noChangeAspect="1" noMove="1" noResize="1" noEditPoints="1" noAdjustHandles="1" noChangeArrowheads="1" noChangeShapeType="1" noTextEdit="1"/>
+              </p:cNvSpPr>
+              <p:nvPr>
+                <p:ph idx="1"/>
+              </p:nvPr>
+            </p:nvSpPr>
+            <p:spPr>
+              <a:xfrm>
+                <a:off x="539552" y="1340768"/>
+                <a:ext cx="8229600" cy="4925144"/>
+              </a:xfrm>
+              <a:blipFill rotWithShape="0">
+                <a:blip r:embed="rId2"/>
+                <a:stretch>
+                  <a:fillRect t="-2228" r="-963" b="-619"/>
+                </a:stretch>
+              </a:blipFill>
+            </p:spPr>
+            <p:txBody>
+              <a:bodyPr/>
+              <a:lstStyle/>
+              <a:p>
+                <a:r>
+                  <a:rPr lang="he-IL">
+                    <a:noFill/>
+                  </a:rPr>
+                  <a:t> </a:t>
+                </a:r>
+              </a:p>
+            </p:txBody>
+          </p:sp>
+        </mc:Fallback>
+      </mc:AlternateContent>
       <p:sp>
         <p:nvSpPr>
           <p:cNvPr id="5122" name="Rectangle 2"/>
@@ -8626,6 +11643,60 @@
           </a:p>
         </p:txBody>
       </p:sp>
+      <p:pic>
+        <p:nvPicPr>
+          <p:cNvPr id="1026" name="Picture 2"/>
+          <p:cNvPicPr>
+            <a:picLocks noChangeAspect="1" noChangeArrowheads="1"/>
+          </p:cNvPicPr>
+          <p:nvPr/>
+        </p:nvPicPr>
+        <p:blipFill>
+          <a:blip r:embed="rId3">
+            <a:extLst>
+              <a:ext uri="{28A0092B-C50C-407E-A947-70E740481C1C}">
+                <a14:useLocalDpi xmlns:a14="http://schemas.microsoft.com/office/drawing/2010/main" val="0"/>
+              </a:ext>
+            </a:extLst>
+          </a:blip>
+          <a:srcRect/>
+          <a:stretch>
+            <a:fillRect/>
+          </a:stretch>
+        </p:blipFill>
+        <p:spPr bwMode="auto">
+          <a:xfrm>
+            <a:off x="1187624" y="2060848"/>
+            <a:ext cx="3888432" cy="2933998"/>
+          </a:xfrm>
+          <a:prstGeom prst="rect">
+            <a:avLst/>
+          </a:prstGeom>
+          <a:noFill/>
+          <a:ln>
+            <a:noFill/>
+          </a:ln>
+          <a:extLst>
+            <a:ext uri="{909E8E84-426E-40DD-AFC4-6F175D3DCCD1}">
+              <a14:hiddenFill xmlns:a14="http://schemas.microsoft.com/office/drawing/2010/main">
+                <a:solidFill>
+                  <a:schemeClr val="accent1"/>
+                </a:solidFill>
+              </a14:hiddenFill>
+            </a:ext>
+            <a:ext uri="{91240B29-F687-4F45-9708-019B960494DF}">
+              <a14:hiddenLine xmlns:a14="http://schemas.microsoft.com/office/drawing/2010/main" w="9525">
+                <a:solidFill>
+                  <a:schemeClr val="tx1"/>
+                </a:solidFill>
+                <a:miter lim="800000"/>
+                <a:headEnd/>
+                <a:tailEnd/>
+              </a14:hiddenLine>
+            </a:ext>
+          </a:extLst>
+        </p:spPr>
+      </p:pic>
     </p:spTree>
   </p:cSld>
   <p:clrMapOvr>
@@ -8702,6 +11773,133 @@
               </a:lnSpc>
               <a:buNone/>
             </a:pPr>
+            <a:r>
+              <a:rPr lang="he-IL" sz="2400" dirty="0" smtClean="0"/>
+              <a:t>בשלב זה מבצעים </a:t>
+            </a:r>
+            <a:r>
+              <a:rPr lang="he-IL" sz="2400" dirty="0" smtClean="0"/>
+              <a:t>חיפוש מסוג </a:t>
+            </a:r>
+            <a:r>
+              <a:rPr lang="en-US" sz="2400" dirty="0" smtClean="0"/>
+              <a:t>inexact matching</a:t>
+            </a:r>
+            <a:r>
+              <a:rPr lang="he-IL" sz="2400" dirty="0" smtClean="0"/>
+              <a:t> </a:t>
+            </a:r>
+            <a:r>
+              <a:rPr lang="he-IL" sz="2400" dirty="0" smtClean="0"/>
+              <a:t>של מחרוזות הדגימה (</a:t>
+            </a:r>
+            <a:r>
+              <a:rPr lang="en-US" sz="2400" dirty="0" smtClean="0"/>
+              <a:t>S1, …, Sn</a:t>
+            </a:r>
+            <a:r>
+              <a:rPr lang="he-IL" sz="2400" dirty="0" smtClean="0"/>
+              <a:t>) בתוך מחרוזת </a:t>
+            </a:r>
+            <a:r>
+              <a:rPr lang="he-IL" sz="2400" dirty="0" smtClean="0"/>
+              <a:t>ההתייחסות.</a:t>
+            </a:r>
+          </a:p>
+          <a:p>
+            <a:pPr>
+              <a:lnSpc>
+                <a:spcPct val="80000"/>
+              </a:lnSpc>
+              <a:buNone/>
+            </a:pPr>
+            <a:endParaRPr lang="he-IL" sz="2400" dirty="0" smtClean="0"/>
+          </a:p>
+          <a:p>
+            <a:pPr>
+              <a:lnSpc>
+                <a:spcPct val="80000"/>
+              </a:lnSpc>
+              <a:buNone/>
+            </a:pPr>
+            <a:r>
+              <a:rPr lang="he-IL" sz="2400" dirty="0" smtClean="0"/>
+              <a:t>האלגוריתם מתחשב בזמן חיפוש במקרים של: </a:t>
+            </a:r>
+            <a:r>
+              <a:rPr lang="he-IL" sz="2400" dirty="0" smtClean="0"/>
+              <a:t>(1) התאמה של תווים, (2) שונות של תווים, (3) הכנסה של תווים, (4) השמטה של תווים</a:t>
+            </a:r>
+            <a:r>
+              <a:rPr lang="he-IL" sz="2400" dirty="0" smtClean="0"/>
+              <a:t>.</a:t>
+            </a:r>
+          </a:p>
+          <a:p>
+            <a:pPr>
+              <a:lnSpc>
+                <a:spcPct val="80000"/>
+              </a:lnSpc>
+              <a:buNone/>
+            </a:pPr>
+            <a:endParaRPr lang="he-IL" sz="2400" dirty="0" smtClean="0"/>
+          </a:p>
+          <a:p>
+            <a:pPr>
+              <a:lnSpc>
+                <a:spcPct val="80000"/>
+              </a:lnSpc>
+              <a:buNone/>
+            </a:pPr>
+            <a:r>
+              <a:rPr lang="he-IL" sz="2400" dirty="0" smtClean="0"/>
+              <a:t>התוצאה </a:t>
+            </a:r>
+            <a:r>
+              <a:rPr lang="he-IL" sz="2400" dirty="0" smtClean="0"/>
+              <a:t>המתקבלת היא קבוצה של מקטעים </a:t>
+            </a:r>
+            <a:r>
+              <a:rPr lang="he-IL" sz="2400" dirty="0" smtClean="0"/>
+              <a:t>שמסמנים נקודת התחלה ונקודת סיום של כלל ההופעות של המחרוזת שחיפשנו בתור תחילית במערך </a:t>
+            </a:r>
+            <a:r>
+              <a:rPr lang="he-IL" sz="2400" dirty="0" err="1" smtClean="0"/>
+              <a:t>הסיפות</a:t>
+            </a:r>
+            <a:r>
+              <a:rPr lang="he-IL" sz="2400" dirty="0" smtClean="0"/>
+              <a:t> של מחרוזת ההתייחסות.</a:t>
+            </a:r>
+          </a:p>
+          <a:p>
+            <a:pPr>
+              <a:lnSpc>
+                <a:spcPct val="80000"/>
+              </a:lnSpc>
+              <a:buNone/>
+            </a:pPr>
+            <a:endParaRPr lang="he-IL" sz="2400" dirty="0" smtClean="0"/>
+          </a:p>
+          <a:p>
+            <a:pPr>
+              <a:lnSpc>
+                <a:spcPct val="80000"/>
+              </a:lnSpc>
+              <a:buNone/>
+            </a:pPr>
+            <a:r>
+              <a:rPr lang="he-IL" sz="2400" dirty="0" smtClean="0"/>
+              <a:t>כדי לשחזר את התוצאות נקרא את הערכים שבמערך </a:t>
+            </a:r>
+            <a:r>
+              <a:rPr lang="en-US" sz="2400" dirty="0" smtClean="0"/>
+              <a:t>SA</a:t>
+            </a:r>
+            <a:r>
+              <a:rPr lang="he-IL" sz="2400" dirty="0" smtClean="0"/>
+              <a:t> במיקומים שמופיעים במקטעים שקיבלנו.</a:t>
+            </a:r>
             <a:endParaRPr lang="he-IL" sz="2400" dirty="0"/>
           </a:p>
         </p:txBody>
@@ -8934,43 +12132,6 @@
           </a:p>
         </p:txBody>
       </p:sp>
-      <p:pic>
-        <p:nvPicPr>
-          <p:cNvPr id="5131" name="Picture 11"/>
-          <p:cNvPicPr>
-            <a:picLocks noChangeAspect="1" noChangeArrowheads="1"/>
-          </p:cNvPicPr>
-          <p:nvPr/>
-        </p:nvPicPr>
-        <p:blipFill>
-          <a:blip r:embed="rId2" cstate="print">
-            <a:clrChange>
-              <a:clrFrom>
-                <a:srgbClr val="FFFFFF"/>
-              </a:clrFrom>
-              <a:clrTo>
-                <a:srgbClr val="FFFFFF">
-                  <a:alpha val="0"/>
-                </a:srgbClr>
-              </a:clrTo>
-            </a:clrChange>
-          </a:blip>
-          <a:srcRect/>
-          <a:stretch>
-            <a:fillRect/>
-          </a:stretch>
-        </p:blipFill>
-        <p:spPr bwMode="auto">
-          <a:xfrm>
-            <a:off x="1115616" y="4077072"/>
-            <a:ext cx="6408712" cy="1226668"/>
-          </a:xfrm>
-          <a:prstGeom prst="rect">
-            <a:avLst/>
-          </a:prstGeom>
-          <a:noFill/>
-        </p:spPr>
-      </p:pic>
     </p:spTree>
   </p:cSld>
   <p:clrMapOvr>
@@ -9047,6 +12208,216 @@
               </a:lnSpc>
               <a:buNone/>
             </a:pPr>
+            <a:r>
+              <a:rPr lang="he-IL" sz="2400" dirty="0" smtClean="0"/>
+              <a:t>עבור המחרוזת </a:t>
+            </a:r>
+            <a:r>
+              <a:rPr lang="en-US" sz="2400" dirty="0" smtClean="0"/>
+              <a:t>X=“googol”</a:t>
+            </a:r>
+            <a:r>
+              <a:rPr lang="he-IL" sz="2400" dirty="0" smtClean="0"/>
+              <a:t> קיבלנו </a:t>
+            </a:r>
+            <a:r>
+              <a:rPr lang="en-US" sz="2400" dirty="0" smtClean="0"/>
+              <a:t>S=(</a:t>
+            </a:r>
+            <a:r>
+              <a:rPr lang="en-US" sz="2400" dirty="0"/>
+              <a:t>6,3,0,5,2,4,1</a:t>
+            </a:r>
+            <a:r>
+              <a:rPr lang="en-US" sz="2400" dirty="0" smtClean="0"/>
+              <a:t>)</a:t>
+            </a:r>
+            <a:r>
+              <a:rPr lang="he-IL" sz="2400" dirty="0" smtClean="0"/>
+              <a:t>.</a:t>
+            </a:r>
+          </a:p>
+          <a:p>
+            <a:pPr>
+              <a:lnSpc>
+                <a:spcPct val="80000"/>
+              </a:lnSpc>
+              <a:buNone/>
+            </a:pPr>
+            <a:r>
+              <a:rPr lang="he-IL" sz="2400" dirty="0" smtClean="0"/>
+              <a:t>במידה ונריץ את האלגוריתם עבור </a:t>
+            </a:r>
+            <a:r>
+              <a:rPr lang="en-US" sz="2400" dirty="0" smtClean="0"/>
+              <a:t>W=“go”</a:t>
+            </a:r>
+            <a:r>
+              <a:rPr lang="he-IL" sz="2400" dirty="0" smtClean="0"/>
+              <a:t> עם הרשאה </a:t>
+            </a:r>
+            <a:r>
+              <a:rPr lang="he-IL" sz="2400" dirty="0" smtClean="0"/>
+              <a:t>להחלפה של </a:t>
+            </a:r>
+            <a:r>
+              <a:rPr lang="he-IL" sz="2400" dirty="0" smtClean="0"/>
+              <a:t>תווים אך ללא הכנסה או מחיקה של תווים נקבל כתשובה את הקבוצה הבאה:</a:t>
+            </a:r>
+          </a:p>
+          <a:p>
+            <a:pPr algn="ctr">
+              <a:lnSpc>
+                <a:spcPct val="80000"/>
+              </a:lnSpc>
+              <a:buNone/>
+            </a:pPr>
+            <a:r>
+              <a:rPr lang="en-US" sz="2400" dirty="0" smtClean="0"/>
+              <a:t>{ [1,2] , [6,6] }</a:t>
+            </a:r>
+          </a:p>
+          <a:p>
+            <a:pPr>
+              <a:lnSpc>
+                <a:spcPct val="80000"/>
+              </a:lnSpc>
+              <a:buNone/>
+            </a:pPr>
+            <a:r>
+              <a:rPr lang="he-IL" sz="2400" dirty="0" smtClean="0"/>
+              <a:t>נשחזר את המיקומים של התוצאות:</a:t>
+            </a:r>
+          </a:p>
+          <a:p>
+            <a:pPr>
+              <a:lnSpc>
+                <a:spcPct val="80000"/>
+              </a:lnSpc>
+              <a:buNone/>
+            </a:pPr>
+            <a:r>
+              <a:rPr lang="en-US" sz="2400" dirty="0" smtClean="0"/>
+              <a:t>SA[1]=3</a:t>
+            </a:r>
+            <a:r>
+              <a:rPr lang="he-IL" sz="2400" dirty="0" smtClean="0"/>
+              <a:t>, כלומר מיקום ראשון של </a:t>
+            </a:r>
+            <a:r>
+              <a:rPr lang="en-US" sz="2400" dirty="0" smtClean="0"/>
+              <a:t>W</a:t>
+            </a:r>
+            <a:r>
+              <a:rPr lang="he-IL" sz="2400" dirty="0" smtClean="0"/>
+              <a:t> ב-</a:t>
+            </a:r>
+            <a:r>
+              <a:rPr lang="en-US" sz="2400" dirty="0" smtClean="0"/>
+              <a:t>X</a:t>
+            </a:r>
+            <a:r>
+              <a:rPr lang="he-IL" sz="2400" dirty="0" smtClean="0"/>
+              <a:t> הוא מהתו הרביעי.</a:t>
+            </a:r>
+            <a:endParaRPr lang="en-US" sz="2400" dirty="0" smtClean="0"/>
+          </a:p>
+          <a:p>
+            <a:pPr>
+              <a:lnSpc>
+                <a:spcPct val="80000"/>
+              </a:lnSpc>
+              <a:buNone/>
+            </a:pPr>
+            <a:r>
+              <a:rPr lang="en-US" sz="2400" dirty="0" smtClean="0"/>
+              <a:t>SA[2]=0</a:t>
+            </a:r>
+            <a:r>
+              <a:rPr lang="he-IL" sz="2400" dirty="0" smtClean="0"/>
+              <a:t>, </a:t>
+            </a:r>
+            <a:r>
+              <a:rPr lang="he-IL" sz="2400" dirty="0"/>
+              <a:t>כלומר מיקום </a:t>
+            </a:r>
+            <a:r>
+              <a:rPr lang="he-IL" sz="2400" dirty="0" smtClean="0"/>
+              <a:t>שני של </a:t>
+            </a:r>
+            <a:r>
+              <a:rPr lang="en-US" sz="2400" dirty="0"/>
+              <a:t>W</a:t>
+            </a:r>
+            <a:r>
+              <a:rPr lang="he-IL" sz="2400" dirty="0"/>
+              <a:t> ב-</a:t>
+            </a:r>
+            <a:r>
+              <a:rPr lang="en-US" sz="2400" dirty="0"/>
+              <a:t>X</a:t>
+            </a:r>
+            <a:r>
+              <a:rPr lang="he-IL" sz="2400" dirty="0"/>
+              <a:t> הוא מהתו </a:t>
+            </a:r>
+            <a:r>
+              <a:rPr lang="he-IL" sz="2400" dirty="0" smtClean="0"/>
+              <a:t>הראשון.</a:t>
+            </a:r>
+            <a:endParaRPr lang="en-US" sz="2400" dirty="0" smtClean="0"/>
+          </a:p>
+          <a:p>
+            <a:pPr>
+              <a:lnSpc>
+                <a:spcPct val="80000"/>
+              </a:lnSpc>
+              <a:buNone/>
+            </a:pPr>
+            <a:r>
+              <a:rPr lang="en-US" sz="2400" dirty="0" smtClean="0"/>
+              <a:t>SA[6]=1</a:t>
+            </a:r>
+            <a:r>
+              <a:rPr lang="he-IL" sz="2400" dirty="0" smtClean="0"/>
+              <a:t>, </a:t>
+            </a:r>
+            <a:r>
+              <a:rPr lang="he-IL" sz="2400" dirty="0"/>
+              <a:t>כלומר מיקום </a:t>
+            </a:r>
+            <a:r>
+              <a:rPr lang="he-IL" sz="2400" dirty="0" smtClean="0"/>
+              <a:t>שלישי של </a:t>
+            </a:r>
+            <a:r>
+              <a:rPr lang="en-US" sz="2400" dirty="0"/>
+              <a:t>W</a:t>
+            </a:r>
+            <a:r>
+              <a:rPr lang="he-IL" sz="2400" dirty="0"/>
+              <a:t> ב-</a:t>
+            </a:r>
+            <a:r>
+              <a:rPr lang="en-US" sz="2400" dirty="0"/>
+              <a:t>X</a:t>
+            </a:r>
+            <a:r>
+              <a:rPr lang="he-IL" sz="2400" dirty="0"/>
+              <a:t> הוא מהתו השלישי</a:t>
+            </a:r>
+            <a:r>
+              <a:rPr lang="he-IL" sz="2400" dirty="0" smtClean="0"/>
+              <a:t>.</a:t>
+            </a:r>
+          </a:p>
+          <a:p>
+            <a:pPr>
+              <a:lnSpc>
+                <a:spcPct val="80000"/>
+              </a:lnSpc>
+              <a:buNone/>
+            </a:pPr>
             <a:endParaRPr lang="he-IL" sz="2400" dirty="0"/>
           </a:p>
         </p:txBody>
@@ -9279,6 +12650,36 @@
           </a:p>
         </p:txBody>
       </p:sp>
+      <p:pic>
+        <p:nvPicPr>
+          <p:cNvPr id="4" name="תמונה 3"/>
+          <p:cNvPicPr>
+            <a:picLocks noChangeAspect="1"/>
+          </p:cNvPicPr>
+          <p:nvPr/>
+        </p:nvPicPr>
+        <p:blipFill>
+          <a:blip r:embed="rId2">
+            <a:extLst>
+              <a:ext uri="{28A0092B-C50C-407E-A947-70E740481C1C}">
+                <a14:useLocalDpi xmlns:a14="http://schemas.microsoft.com/office/drawing/2010/main" val="0"/>
+              </a:ext>
+            </a:extLst>
+          </a:blip>
+          <a:stretch>
+            <a:fillRect/>
+          </a:stretch>
+        </p:blipFill>
+        <p:spPr>
+          <a:xfrm>
+            <a:off x="3059832" y="4725144"/>
+            <a:ext cx="2862539" cy="1440160"/>
+          </a:xfrm>
+          <a:prstGeom prst="rect">
+            <a:avLst/>
+          </a:prstGeom>
+        </p:spPr>
+      </p:pic>
     </p:spTree>
   </p:cSld>
   <p:clrMapOvr>
